--- a/HTML/08-CSS Flexbox.pptx
+++ b/HTML/08-CSS Flexbox.pptx
@@ -5,11 +5,22 @@
     <p:sldMasterId id="2147483648" r:id="rId1"/>
   </p:sldMasterIdLst>
   <p:notesMasterIdLst>
-    <p:notesMasterId r:id="rId4"/>
+    <p:notesMasterId r:id="rId15"/>
   </p:notesMasterIdLst>
   <p:sldIdLst>
     <p:sldId id="256" r:id="rId2"/>
     <p:sldId id="257" r:id="rId3"/>
+    <p:sldId id="258" r:id="rId4"/>
+    <p:sldId id="259" r:id="rId5"/>
+    <p:sldId id="260" r:id="rId6"/>
+    <p:sldId id="261" r:id="rId7"/>
+    <p:sldId id="264" r:id="rId8"/>
+    <p:sldId id="262" r:id="rId9"/>
+    <p:sldId id="263" r:id="rId10"/>
+    <p:sldId id="265" r:id="rId11"/>
+    <p:sldId id="266" r:id="rId12"/>
+    <p:sldId id="268" r:id="rId13"/>
+    <p:sldId id="269" r:id="rId14"/>
   </p:sldIdLst>
   <p:sldSz cx="12192000" cy="6858000"/>
   <p:notesSz cx="6858000" cy="9144000"/>
@@ -832,6 +843,930 @@
     <p:extLst>
       <p:ext uri="{BB962C8B-B14F-4D97-AF65-F5344CB8AC3E}">
         <p14:creationId xmlns:p14="http://schemas.microsoft.com/office/powerpoint/2010/main" val="2935990965"/>
+      </p:ext>
+    </p:extLst>
+  </p:cSld>
+  <p:clrMapOvr>
+    <a:masterClrMapping/>
+  </p:clrMapOvr>
+</p:notes>
+</file>
+
+<file path=ppt/notesSlides/notesSlide10.xml><?xml version="1.0" encoding="utf-8"?>
+<p:notes xmlns:a="http://schemas.openxmlformats.org/drawingml/2006/main" xmlns:r="http://schemas.openxmlformats.org/officeDocument/2006/relationships" xmlns:p="http://schemas.openxmlformats.org/presentationml/2006/main">
+  <p:cSld>
+    <p:spTree>
+      <p:nvGrpSpPr>
+        <p:cNvPr id="1" name=""/>
+        <p:cNvGrpSpPr/>
+        <p:nvPr/>
+      </p:nvGrpSpPr>
+      <p:grpSpPr>
+        <a:xfrm>
+          <a:off x="0" y="0"/>
+          <a:ext cx="0" cy="0"/>
+          <a:chOff x="0" y="0"/>
+          <a:chExt cx="0" cy="0"/>
+        </a:xfrm>
+      </p:grpSpPr>
+      <p:sp>
+        <p:nvSpPr>
+          <p:cNvPr id="2" name="Образ слайда 1"/>
+          <p:cNvSpPr>
+            <a:spLocks noGrp="1" noRot="1" noChangeAspect="1"/>
+          </p:cNvSpPr>
+          <p:nvPr>
+            <p:ph type="sldImg"/>
+          </p:nvPr>
+        </p:nvSpPr>
+        <p:spPr/>
+      </p:sp>
+      <p:sp>
+        <p:nvSpPr>
+          <p:cNvPr id="3" name="Заметки 2"/>
+          <p:cNvSpPr>
+            <a:spLocks noGrp="1"/>
+          </p:cNvSpPr>
+          <p:nvPr>
+            <p:ph type="body" idx="1"/>
+          </p:nvPr>
+        </p:nvSpPr>
+        <p:spPr/>
+        <p:txBody>
+          <a:bodyPr/>
+          <a:lstStyle/>
+          <a:p>
+            <a:endParaRPr lang="en-US" dirty="0"/>
+          </a:p>
+        </p:txBody>
+      </p:sp>
+      <p:sp>
+        <p:nvSpPr>
+          <p:cNvPr id="4" name="Номер слайда 3"/>
+          <p:cNvSpPr>
+            <a:spLocks noGrp="1"/>
+          </p:cNvSpPr>
+          <p:nvPr>
+            <p:ph type="sldNum" sz="quarter" idx="5"/>
+          </p:nvPr>
+        </p:nvSpPr>
+        <p:spPr/>
+        <p:txBody>
+          <a:bodyPr/>
+          <a:lstStyle/>
+          <a:p>
+            <a:fld id="{3CFC8D39-0FDD-4F5C-9954-5E97FCD13472}" type="slidenum">
+              <a:rPr lang="en-US" smtClean="0"/>
+              <a:t>11</a:t>
+            </a:fld>
+            <a:endParaRPr lang="en-US"/>
+          </a:p>
+        </p:txBody>
+      </p:sp>
+    </p:spTree>
+    <p:extLst>
+      <p:ext uri="{BB962C8B-B14F-4D97-AF65-F5344CB8AC3E}">
+        <p14:creationId xmlns:p14="http://schemas.microsoft.com/office/powerpoint/2010/main" val="2232542206"/>
+      </p:ext>
+    </p:extLst>
+  </p:cSld>
+  <p:clrMapOvr>
+    <a:masterClrMapping/>
+  </p:clrMapOvr>
+</p:notes>
+</file>
+
+<file path=ppt/notesSlides/notesSlide11.xml><?xml version="1.0" encoding="utf-8"?>
+<p:notes xmlns:a="http://schemas.openxmlformats.org/drawingml/2006/main" xmlns:r="http://schemas.openxmlformats.org/officeDocument/2006/relationships" xmlns:p="http://schemas.openxmlformats.org/presentationml/2006/main">
+  <p:cSld>
+    <p:spTree>
+      <p:nvGrpSpPr>
+        <p:cNvPr id="1" name=""/>
+        <p:cNvGrpSpPr/>
+        <p:nvPr/>
+      </p:nvGrpSpPr>
+      <p:grpSpPr>
+        <a:xfrm>
+          <a:off x="0" y="0"/>
+          <a:ext cx="0" cy="0"/>
+          <a:chOff x="0" y="0"/>
+          <a:chExt cx="0" cy="0"/>
+        </a:xfrm>
+      </p:grpSpPr>
+      <p:sp>
+        <p:nvSpPr>
+          <p:cNvPr id="2" name="Образ слайда 1"/>
+          <p:cNvSpPr>
+            <a:spLocks noGrp="1" noRot="1" noChangeAspect="1"/>
+          </p:cNvSpPr>
+          <p:nvPr>
+            <p:ph type="sldImg"/>
+          </p:nvPr>
+        </p:nvSpPr>
+        <p:spPr/>
+      </p:sp>
+      <p:sp>
+        <p:nvSpPr>
+          <p:cNvPr id="3" name="Заметки 2"/>
+          <p:cNvSpPr>
+            <a:spLocks noGrp="1"/>
+          </p:cNvSpPr>
+          <p:nvPr>
+            <p:ph type="body" idx="1"/>
+          </p:nvPr>
+        </p:nvSpPr>
+        <p:spPr/>
+        <p:txBody>
+          <a:bodyPr/>
+          <a:lstStyle/>
+          <a:p>
+            <a:endParaRPr lang="en-US" dirty="0"/>
+          </a:p>
+        </p:txBody>
+      </p:sp>
+      <p:sp>
+        <p:nvSpPr>
+          <p:cNvPr id="4" name="Номер слайда 3"/>
+          <p:cNvSpPr>
+            <a:spLocks noGrp="1"/>
+          </p:cNvSpPr>
+          <p:nvPr>
+            <p:ph type="sldNum" sz="quarter" idx="5"/>
+          </p:nvPr>
+        </p:nvSpPr>
+        <p:spPr/>
+        <p:txBody>
+          <a:bodyPr/>
+          <a:lstStyle/>
+          <a:p>
+            <a:fld id="{3CFC8D39-0FDD-4F5C-9954-5E97FCD13472}" type="slidenum">
+              <a:rPr lang="en-US" smtClean="0"/>
+              <a:t>12</a:t>
+            </a:fld>
+            <a:endParaRPr lang="en-US"/>
+          </a:p>
+        </p:txBody>
+      </p:sp>
+    </p:spTree>
+    <p:extLst>
+      <p:ext uri="{BB962C8B-B14F-4D97-AF65-F5344CB8AC3E}">
+        <p14:creationId xmlns:p14="http://schemas.microsoft.com/office/powerpoint/2010/main" val="326726047"/>
+      </p:ext>
+    </p:extLst>
+  </p:cSld>
+  <p:clrMapOvr>
+    <a:masterClrMapping/>
+  </p:clrMapOvr>
+</p:notes>
+</file>
+
+<file path=ppt/notesSlides/notesSlide12.xml><?xml version="1.0" encoding="utf-8"?>
+<p:notes xmlns:a="http://schemas.openxmlformats.org/drawingml/2006/main" xmlns:r="http://schemas.openxmlformats.org/officeDocument/2006/relationships" xmlns:p="http://schemas.openxmlformats.org/presentationml/2006/main">
+  <p:cSld>
+    <p:spTree>
+      <p:nvGrpSpPr>
+        <p:cNvPr id="1" name=""/>
+        <p:cNvGrpSpPr/>
+        <p:nvPr/>
+      </p:nvGrpSpPr>
+      <p:grpSpPr>
+        <a:xfrm>
+          <a:off x="0" y="0"/>
+          <a:ext cx="0" cy="0"/>
+          <a:chOff x="0" y="0"/>
+          <a:chExt cx="0" cy="0"/>
+        </a:xfrm>
+      </p:grpSpPr>
+      <p:sp>
+        <p:nvSpPr>
+          <p:cNvPr id="2" name="Образ слайда 1"/>
+          <p:cNvSpPr>
+            <a:spLocks noGrp="1" noRot="1" noChangeAspect="1"/>
+          </p:cNvSpPr>
+          <p:nvPr>
+            <p:ph type="sldImg"/>
+          </p:nvPr>
+        </p:nvSpPr>
+        <p:spPr/>
+      </p:sp>
+      <p:sp>
+        <p:nvSpPr>
+          <p:cNvPr id="3" name="Заметки 2"/>
+          <p:cNvSpPr>
+            <a:spLocks noGrp="1"/>
+          </p:cNvSpPr>
+          <p:nvPr>
+            <p:ph type="body" idx="1"/>
+          </p:nvPr>
+        </p:nvSpPr>
+        <p:spPr/>
+        <p:txBody>
+          <a:bodyPr/>
+          <a:lstStyle/>
+          <a:p>
+            <a:endParaRPr lang="en-US" dirty="0"/>
+          </a:p>
+        </p:txBody>
+      </p:sp>
+      <p:sp>
+        <p:nvSpPr>
+          <p:cNvPr id="4" name="Номер слайда 3"/>
+          <p:cNvSpPr>
+            <a:spLocks noGrp="1"/>
+          </p:cNvSpPr>
+          <p:nvPr>
+            <p:ph type="sldNum" sz="quarter" idx="5"/>
+          </p:nvPr>
+        </p:nvSpPr>
+        <p:spPr/>
+        <p:txBody>
+          <a:bodyPr/>
+          <a:lstStyle/>
+          <a:p>
+            <a:fld id="{3CFC8D39-0FDD-4F5C-9954-5E97FCD13472}" type="slidenum">
+              <a:rPr lang="en-US" smtClean="0"/>
+              <a:t>13</a:t>
+            </a:fld>
+            <a:endParaRPr lang="en-US"/>
+          </a:p>
+        </p:txBody>
+      </p:sp>
+    </p:spTree>
+    <p:extLst>
+      <p:ext uri="{BB962C8B-B14F-4D97-AF65-F5344CB8AC3E}">
+        <p14:creationId xmlns:p14="http://schemas.microsoft.com/office/powerpoint/2010/main" val="85632669"/>
+      </p:ext>
+    </p:extLst>
+  </p:cSld>
+  <p:clrMapOvr>
+    <a:masterClrMapping/>
+  </p:clrMapOvr>
+</p:notes>
+</file>
+
+<file path=ppt/notesSlides/notesSlide2.xml><?xml version="1.0" encoding="utf-8"?>
+<p:notes xmlns:a="http://schemas.openxmlformats.org/drawingml/2006/main" xmlns:r="http://schemas.openxmlformats.org/officeDocument/2006/relationships" xmlns:p="http://schemas.openxmlformats.org/presentationml/2006/main">
+  <p:cSld>
+    <p:spTree>
+      <p:nvGrpSpPr>
+        <p:cNvPr id="1" name=""/>
+        <p:cNvGrpSpPr/>
+        <p:nvPr/>
+      </p:nvGrpSpPr>
+      <p:grpSpPr>
+        <a:xfrm>
+          <a:off x="0" y="0"/>
+          <a:ext cx="0" cy="0"/>
+          <a:chOff x="0" y="0"/>
+          <a:chExt cx="0" cy="0"/>
+        </a:xfrm>
+      </p:grpSpPr>
+      <p:sp>
+        <p:nvSpPr>
+          <p:cNvPr id="2" name="Образ слайда 1"/>
+          <p:cNvSpPr>
+            <a:spLocks noGrp="1" noRot="1" noChangeAspect="1"/>
+          </p:cNvSpPr>
+          <p:nvPr>
+            <p:ph type="sldImg"/>
+          </p:nvPr>
+        </p:nvSpPr>
+        <p:spPr/>
+      </p:sp>
+      <p:sp>
+        <p:nvSpPr>
+          <p:cNvPr id="3" name="Заметки 2"/>
+          <p:cNvSpPr>
+            <a:spLocks noGrp="1"/>
+          </p:cNvSpPr>
+          <p:nvPr>
+            <p:ph type="body" idx="1"/>
+          </p:nvPr>
+        </p:nvSpPr>
+        <p:spPr/>
+        <p:txBody>
+          <a:bodyPr/>
+          <a:lstStyle/>
+          <a:p>
+            <a:endParaRPr lang="en-US" dirty="0"/>
+          </a:p>
+        </p:txBody>
+      </p:sp>
+      <p:sp>
+        <p:nvSpPr>
+          <p:cNvPr id="4" name="Номер слайда 3"/>
+          <p:cNvSpPr>
+            <a:spLocks noGrp="1"/>
+          </p:cNvSpPr>
+          <p:nvPr>
+            <p:ph type="sldNum" sz="quarter" idx="5"/>
+          </p:nvPr>
+        </p:nvSpPr>
+        <p:spPr/>
+        <p:txBody>
+          <a:bodyPr/>
+          <a:lstStyle/>
+          <a:p>
+            <a:fld id="{3CFC8D39-0FDD-4F5C-9954-5E97FCD13472}" type="slidenum">
+              <a:rPr lang="en-US" smtClean="0"/>
+              <a:t>3</a:t>
+            </a:fld>
+            <a:endParaRPr lang="en-US"/>
+          </a:p>
+        </p:txBody>
+      </p:sp>
+    </p:spTree>
+    <p:extLst>
+      <p:ext uri="{BB962C8B-B14F-4D97-AF65-F5344CB8AC3E}">
+        <p14:creationId xmlns:p14="http://schemas.microsoft.com/office/powerpoint/2010/main" val="3962824050"/>
+      </p:ext>
+    </p:extLst>
+  </p:cSld>
+  <p:clrMapOvr>
+    <a:masterClrMapping/>
+  </p:clrMapOvr>
+</p:notes>
+</file>
+
+<file path=ppt/notesSlides/notesSlide3.xml><?xml version="1.0" encoding="utf-8"?>
+<p:notes xmlns:a="http://schemas.openxmlformats.org/drawingml/2006/main" xmlns:r="http://schemas.openxmlformats.org/officeDocument/2006/relationships" xmlns:p="http://schemas.openxmlformats.org/presentationml/2006/main">
+  <p:cSld>
+    <p:spTree>
+      <p:nvGrpSpPr>
+        <p:cNvPr id="1" name=""/>
+        <p:cNvGrpSpPr/>
+        <p:nvPr/>
+      </p:nvGrpSpPr>
+      <p:grpSpPr>
+        <a:xfrm>
+          <a:off x="0" y="0"/>
+          <a:ext cx="0" cy="0"/>
+          <a:chOff x="0" y="0"/>
+          <a:chExt cx="0" cy="0"/>
+        </a:xfrm>
+      </p:grpSpPr>
+      <p:sp>
+        <p:nvSpPr>
+          <p:cNvPr id="2" name="Образ слайда 1"/>
+          <p:cNvSpPr>
+            <a:spLocks noGrp="1" noRot="1" noChangeAspect="1"/>
+          </p:cNvSpPr>
+          <p:nvPr>
+            <p:ph type="sldImg"/>
+          </p:nvPr>
+        </p:nvSpPr>
+        <p:spPr/>
+      </p:sp>
+      <p:sp>
+        <p:nvSpPr>
+          <p:cNvPr id="3" name="Заметки 2"/>
+          <p:cNvSpPr>
+            <a:spLocks noGrp="1"/>
+          </p:cNvSpPr>
+          <p:nvPr>
+            <p:ph type="body" idx="1"/>
+          </p:nvPr>
+        </p:nvSpPr>
+        <p:spPr/>
+        <p:txBody>
+          <a:bodyPr/>
+          <a:lstStyle/>
+          <a:p>
+            <a:endParaRPr lang="en-US" dirty="0"/>
+          </a:p>
+        </p:txBody>
+      </p:sp>
+      <p:sp>
+        <p:nvSpPr>
+          <p:cNvPr id="4" name="Номер слайда 3"/>
+          <p:cNvSpPr>
+            <a:spLocks noGrp="1"/>
+          </p:cNvSpPr>
+          <p:nvPr>
+            <p:ph type="sldNum" sz="quarter" idx="5"/>
+          </p:nvPr>
+        </p:nvSpPr>
+        <p:spPr/>
+        <p:txBody>
+          <a:bodyPr/>
+          <a:lstStyle/>
+          <a:p>
+            <a:fld id="{3CFC8D39-0FDD-4F5C-9954-5E97FCD13472}" type="slidenum">
+              <a:rPr lang="en-US" smtClean="0"/>
+              <a:t>4</a:t>
+            </a:fld>
+            <a:endParaRPr lang="en-US"/>
+          </a:p>
+        </p:txBody>
+      </p:sp>
+    </p:spTree>
+    <p:extLst>
+      <p:ext uri="{BB962C8B-B14F-4D97-AF65-F5344CB8AC3E}">
+        <p14:creationId xmlns:p14="http://schemas.microsoft.com/office/powerpoint/2010/main" val="2366254878"/>
+      </p:ext>
+    </p:extLst>
+  </p:cSld>
+  <p:clrMapOvr>
+    <a:masterClrMapping/>
+  </p:clrMapOvr>
+</p:notes>
+</file>
+
+<file path=ppt/notesSlides/notesSlide4.xml><?xml version="1.0" encoding="utf-8"?>
+<p:notes xmlns:a="http://schemas.openxmlformats.org/drawingml/2006/main" xmlns:r="http://schemas.openxmlformats.org/officeDocument/2006/relationships" xmlns:p="http://schemas.openxmlformats.org/presentationml/2006/main">
+  <p:cSld>
+    <p:spTree>
+      <p:nvGrpSpPr>
+        <p:cNvPr id="1" name=""/>
+        <p:cNvGrpSpPr/>
+        <p:nvPr/>
+      </p:nvGrpSpPr>
+      <p:grpSpPr>
+        <a:xfrm>
+          <a:off x="0" y="0"/>
+          <a:ext cx="0" cy="0"/>
+          <a:chOff x="0" y="0"/>
+          <a:chExt cx="0" cy="0"/>
+        </a:xfrm>
+      </p:grpSpPr>
+      <p:sp>
+        <p:nvSpPr>
+          <p:cNvPr id="2" name="Образ слайда 1"/>
+          <p:cNvSpPr>
+            <a:spLocks noGrp="1" noRot="1" noChangeAspect="1"/>
+          </p:cNvSpPr>
+          <p:nvPr>
+            <p:ph type="sldImg"/>
+          </p:nvPr>
+        </p:nvSpPr>
+        <p:spPr/>
+      </p:sp>
+      <p:sp>
+        <p:nvSpPr>
+          <p:cNvPr id="3" name="Заметки 2"/>
+          <p:cNvSpPr>
+            <a:spLocks noGrp="1"/>
+          </p:cNvSpPr>
+          <p:nvPr>
+            <p:ph type="body" idx="1"/>
+          </p:nvPr>
+        </p:nvSpPr>
+        <p:spPr/>
+        <p:txBody>
+          <a:bodyPr/>
+          <a:lstStyle/>
+          <a:p>
+            <a:endParaRPr lang="en-US" dirty="0"/>
+          </a:p>
+        </p:txBody>
+      </p:sp>
+      <p:sp>
+        <p:nvSpPr>
+          <p:cNvPr id="4" name="Номер слайда 3"/>
+          <p:cNvSpPr>
+            <a:spLocks noGrp="1"/>
+          </p:cNvSpPr>
+          <p:nvPr>
+            <p:ph type="sldNum" sz="quarter" idx="5"/>
+          </p:nvPr>
+        </p:nvSpPr>
+        <p:spPr/>
+        <p:txBody>
+          <a:bodyPr/>
+          <a:lstStyle/>
+          <a:p>
+            <a:fld id="{3CFC8D39-0FDD-4F5C-9954-5E97FCD13472}" type="slidenum">
+              <a:rPr lang="en-US" smtClean="0"/>
+              <a:t>5</a:t>
+            </a:fld>
+            <a:endParaRPr lang="en-US"/>
+          </a:p>
+        </p:txBody>
+      </p:sp>
+    </p:spTree>
+    <p:extLst>
+      <p:ext uri="{BB962C8B-B14F-4D97-AF65-F5344CB8AC3E}">
+        <p14:creationId xmlns:p14="http://schemas.microsoft.com/office/powerpoint/2010/main" val="657107881"/>
+      </p:ext>
+    </p:extLst>
+  </p:cSld>
+  <p:clrMapOvr>
+    <a:masterClrMapping/>
+  </p:clrMapOvr>
+</p:notes>
+</file>
+
+<file path=ppt/notesSlides/notesSlide5.xml><?xml version="1.0" encoding="utf-8"?>
+<p:notes xmlns:a="http://schemas.openxmlformats.org/drawingml/2006/main" xmlns:r="http://schemas.openxmlformats.org/officeDocument/2006/relationships" xmlns:p="http://schemas.openxmlformats.org/presentationml/2006/main">
+  <p:cSld>
+    <p:spTree>
+      <p:nvGrpSpPr>
+        <p:cNvPr id="1" name=""/>
+        <p:cNvGrpSpPr/>
+        <p:nvPr/>
+      </p:nvGrpSpPr>
+      <p:grpSpPr>
+        <a:xfrm>
+          <a:off x="0" y="0"/>
+          <a:ext cx="0" cy="0"/>
+          <a:chOff x="0" y="0"/>
+          <a:chExt cx="0" cy="0"/>
+        </a:xfrm>
+      </p:grpSpPr>
+      <p:sp>
+        <p:nvSpPr>
+          <p:cNvPr id="2" name="Образ слайда 1"/>
+          <p:cNvSpPr>
+            <a:spLocks noGrp="1" noRot="1" noChangeAspect="1"/>
+          </p:cNvSpPr>
+          <p:nvPr>
+            <p:ph type="sldImg"/>
+          </p:nvPr>
+        </p:nvSpPr>
+        <p:spPr/>
+      </p:sp>
+      <p:sp>
+        <p:nvSpPr>
+          <p:cNvPr id="3" name="Заметки 2"/>
+          <p:cNvSpPr>
+            <a:spLocks noGrp="1"/>
+          </p:cNvSpPr>
+          <p:nvPr>
+            <p:ph type="body" idx="1"/>
+          </p:nvPr>
+        </p:nvSpPr>
+        <p:spPr/>
+        <p:txBody>
+          <a:bodyPr/>
+          <a:lstStyle/>
+          <a:p>
+            <a:endParaRPr lang="en-US" dirty="0"/>
+          </a:p>
+        </p:txBody>
+      </p:sp>
+      <p:sp>
+        <p:nvSpPr>
+          <p:cNvPr id="4" name="Номер слайда 3"/>
+          <p:cNvSpPr>
+            <a:spLocks noGrp="1"/>
+          </p:cNvSpPr>
+          <p:nvPr>
+            <p:ph type="sldNum" sz="quarter" idx="5"/>
+          </p:nvPr>
+        </p:nvSpPr>
+        <p:spPr/>
+        <p:txBody>
+          <a:bodyPr/>
+          <a:lstStyle/>
+          <a:p>
+            <a:fld id="{3CFC8D39-0FDD-4F5C-9954-5E97FCD13472}" type="slidenum">
+              <a:rPr lang="en-US" smtClean="0"/>
+              <a:t>6</a:t>
+            </a:fld>
+            <a:endParaRPr lang="en-US"/>
+          </a:p>
+        </p:txBody>
+      </p:sp>
+    </p:spTree>
+    <p:extLst>
+      <p:ext uri="{BB962C8B-B14F-4D97-AF65-F5344CB8AC3E}">
+        <p14:creationId xmlns:p14="http://schemas.microsoft.com/office/powerpoint/2010/main" val="3031239587"/>
+      </p:ext>
+    </p:extLst>
+  </p:cSld>
+  <p:clrMapOvr>
+    <a:masterClrMapping/>
+  </p:clrMapOvr>
+</p:notes>
+</file>
+
+<file path=ppt/notesSlides/notesSlide6.xml><?xml version="1.0" encoding="utf-8"?>
+<p:notes xmlns:a="http://schemas.openxmlformats.org/drawingml/2006/main" xmlns:r="http://schemas.openxmlformats.org/officeDocument/2006/relationships" xmlns:p="http://schemas.openxmlformats.org/presentationml/2006/main">
+  <p:cSld>
+    <p:spTree>
+      <p:nvGrpSpPr>
+        <p:cNvPr id="1" name=""/>
+        <p:cNvGrpSpPr/>
+        <p:nvPr/>
+      </p:nvGrpSpPr>
+      <p:grpSpPr>
+        <a:xfrm>
+          <a:off x="0" y="0"/>
+          <a:ext cx="0" cy="0"/>
+          <a:chOff x="0" y="0"/>
+          <a:chExt cx="0" cy="0"/>
+        </a:xfrm>
+      </p:grpSpPr>
+      <p:sp>
+        <p:nvSpPr>
+          <p:cNvPr id="2" name="Образ слайда 1"/>
+          <p:cNvSpPr>
+            <a:spLocks noGrp="1" noRot="1" noChangeAspect="1"/>
+          </p:cNvSpPr>
+          <p:nvPr>
+            <p:ph type="sldImg"/>
+          </p:nvPr>
+        </p:nvSpPr>
+        <p:spPr/>
+      </p:sp>
+      <p:sp>
+        <p:nvSpPr>
+          <p:cNvPr id="3" name="Заметки 2"/>
+          <p:cNvSpPr>
+            <a:spLocks noGrp="1"/>
+          </p:cNvSpPr>
+          <p:nvPr>
+            <p:ph type="body" idx="1"/>
+          </p:nvPr>
+        </p:nvSpPr>
+        <p:spPr/>
+        <p:txBody>
+          <a:bodyPr/>
+          <a:lstStyle/>
+          <a:p>
+            <a:endParaRPr lang="en-US" dirty="0"/>
+          </a:p>
+        </p:txBody>
+      </p:sp>
+      <p:sp>
+        <p:nvSpPr>
+          <p:cNvPr id="4" name="Номер слайда 3"/>
+          <p:cNvSpPr>
+            <a:spLocks noGrp="1"/>
+          </p:cNvSpPr>
+          <p:nvPr>
+            <p:ph type="sldNum" sz="quarter" idx="5"/>
+          </p:nvPr>
+        </p:nvSpPr>
+        <p:spPr/>
+        <p:txBody>
+          <a:bodyPr/>
+          <a:lstStyle/>
+          <a:p>
+            <a:fld id="{3CFC8D39-0FDD-4F5C-9954-5E97FCD13472}" type="slidenum">
+              <a:rPr lang="en-US" smtClean="0"/>
+              <a:t>7</a:t>
+            </a:fld>
+            <a:endParaRPr lang="en-US"/>
+          </a:p>
+        </p:txBody>
+      </p:sp>
+    </p:spTree>
+    <p:extLst>
+      <p:ext uri="{BB962C8B-B14F-4D97-AF65-F5344CB8AC3E}">
+        <p14:creationId xmlns:p14="http://schemas.microsoft.com/office/powerpoint/2010/main" val="2590964344"/>
+      </p:ext>
+    </p:extLst>
+  </p:cSld>
+  <p:clrMapOvr>
+    <a:masterClrMapping/>
+  </p:clrMapOvr>
+</p:notes>
+</file>
+
+<file path=ppt/notesSlides/notesSlide7.xml><?xml version="1.0" encoding="utf-8"?>
+<p:notes xmlns:a="http://schemas.openxmlformats.org/drawingml/2006/main" xmlns:r="http://schemas.openxmlformats.org/officeDocument/2006/relationships" xmlns:p="http://schemas.openxmlformats.org/presentationml/2006/main">
+  <p:cSld>
+    <p:spTree>
+      <p:nvGrpSpPr>
+        <p:cNvPr id="1" name=""/>
+        <p:cNvGrpSpPr/>
+        <p:nvPr/>
+      </p:nvGrpSpPr>
+      <p:grpSpPr>
+        <a:xfrm>
+          <a:off x="0" y="0"/>
+          <a:ext cx="0" cy="0"/>
+          <a:chOff x="0" y="0"/>
+          <a:chExt cx="0" cy="0"/>
+        </a:xfrm>
+      </p:grpSpPr>
+      <p:sp>
+        <p:nvSpPr>
+          <p:cNvPr id="2" name="Образ слайда 1"/>
+          <p:cNvSpPr>
+            <a:spLocks noGrp="1" noRot="1" noChangeAspect="1"/>
+          </p:cNvSpPr>
+          <p:nvPr>
+            <p:ph type="sldImg"/>
+          </p:nvPr>
+        </p:nvSpPr>
+        <p:spPr/>
+      </p:sp>
+      <p:sp>
+        <p:nvSpPr>
+          <p:cNvPr id="3" name="Заметки 2"/>
+          <p:cNvSpPr>
+            <a:spLocks noGrp="1"/>
+          </p:cNvSpPr>
+          <p:nvPr>
+            <p:ph type="body" idx="1"/>
+          </p:nvPr>
+        </p:nvSpPr>
+        <p:spPr/>
+        <p:txBody>
+          <a:bodyPr/>
+          <a:lstStyle/>
+          <a:p>
+            <a:endParaRPr lang="en-US" dirty="0"/>
+          </a:p>
+        </p:txBody>
+      </p:sp>
+      <p:sp>
+        <p:nvSpPr>
+          <p:cNvPr id="4" name="Номер слайда 3"/>
+          <p:cNvSpPr>
+            <a:spLocks noGrp="1"/>
+          </p:cNvSpPr>
+          <p:nvPr>
+            <p:ph type="sldNum" sz="quarter" idx="5"/>
+          </p:nvPr>
+        </p:nvSpPr>
+        <p:spPr/>
+        <p:txBody>
+          <a:bodyPr/>
+          <a:lstStyle/>
+          <a:p>
+            <a:fld id="{3CFC8D39-0FDD-4F5C-9954-5E97FCD13472}" type="slidenum">
+              <a:rPr lang="en-US" smtClean="0"/>
+              <a:t>8</a:t>
+            </a:fld>
+            <a:endParaRPr lang="en-US"/>
+          </a:p>
+        </p:txBody>
+      </p:sp>
+    </p:spTree>
+    <p:extLst>
+      <p:ext uri="{BB962C8B-B14F-4D97-AF65-F5344CB8AC3E}">
+        <p14:creationId xmlns:p14="http://schemas.microsoft.com/office/powerpoint/2010/main" val="424702347"/>
+      </p:ext>
+    </p:extLst>
+  </p:cSld>
+  <p:clrMapOvr>
+    <a:masterClrMapping/>
+  </p:clrMapOvr>
+</p:notes>
+</file>
+
+<file path=ppt/notesSlides/notesSlide8.xml><?xml version="1.0" encoding="utf-8"?>
+<p:notes xmlns:a="http://schemas.openxmlformats.org/drawingml/2006/main" xmlns:r="http://schemas.openxmlformats.org/officeDocument/2006/relationships" xmlns:p="http://schemas.openxmlformats.org/presentationml/2006/main">
+  <p:cSld>
+    <p:spTree>
+      <p:nvGrpSpPr>
+        <p:cNvPr id="1" name=""/>
+        <p:cNvGrpSpPr/>
+        <p:nvPr/>
+      </p:nvGrpSpPr>
+      <p:grpSpPr>
+        <a:xfrm>
+          <a:off x="0" y="0"/>
+          <a:ext cx="0" cy="0"/>
+          <a:chOff x="0" y="0"/>
+          <a:chExt cx="0" cy="0"/>
+        </a:xfrm>
+      </p:grpSpPr>
+      <p:sp>
+        <p:nvSpPr>
+          <p:cNvPr id="2" name="Образ слайда 1"/>
+          <p:cNvSpPr>
+            <a:spLocks noGrp="1" noRot="1" noChangeAspect="1"/>
+          </p:cNvSpPr>
+          <p:nvPr>
+            <p:ph type="sldImg"/>
+          </p:nvPr>
+        </p:nvSpPr>
+        <p:spPr/>
+      </p:sp>
+      <p:sp>
+        <p:nvSpPr>
+          <p:cNvPr id="3" name="Заметки 2"/>
+          <p:cNvSpPr>
+            <a:spLocks noGrp="1"/>
+          </p:cNvSpPr>
+          <p:nvPr>
+            <p:ph type="body" idx="1"/>
+          </p:nvPr>
+        </p:nvSpPr>
+        <p:spPr/>
+        <p:txBody>
+          <a:bodyPr/>
+          <a:lstStyle/>
+          <a:p>
+            <a:endParaRPr lang="en-US" dirty="0"/>
+          </a:p>
+        </p:txBody>
+      </p:sp>
+      <p:sp>
+        <p:nvSpPr>
+          <p:cNvPr id="4" name="Номер слайда 3"/>
+          <p:cNvSpPr>
+            <a:spLocks noGrp="1"/>
+          </p:cNvSpPr>
+          <p:nvPr>
+            <p:ph type="sldNum" sz="quarter" idx="5"/>
+          </p:nvPr>
+        </p:nvSpPr>
+        <p:spPr/>
+        <p:txBody>
+          <a:bodyPr/>
+          <a:lstStyle/>
+          <a:p>
+            <a:fld id="{3CFC8D39-0FDD-4F5C-9954-5E97FCD13472}" type="slidenum">
+              <a:rPr lang="en-US" smtClean="0"/>
+              <a:t>9</a:t>
+            </a:fld>
+            <a:endParaRPr lang="en-US"/>
+          </a:p>
+        </p:txBody>
+      </p:sp>
+    </p:spTree>
+    <p:extLst>
+      <p:ext uri="{BB962C8B-B14F-4D97-AF65-F5344CB8AC3E}">
+        <p14:creationId xmlns:p14="http://schemas.microsoft.com/office/powerpoint/2010/main" val="1473495292"/>
+      </p:ext>
+    </p:extLst>
+  </p:cSld>
+  <p:clrMapOvr>
+    <a:masterClrMapping/>
+  </p:clrMapOvr>
+</p:notes>
+</file>
+
+<file path=ppt/notesSlides/notesSlide9.xml><?xml version="1.0" encoding="utf-8"?>
+<p:notes xmlns:a="http://schemas.openxmlformats.org/drawingml/2006/main" xmlns:r="http://schemas.openxmlformats.org/officeDocument/2006/relationships" xmlns:p="http://schemas.openxmlformats.org/presentationml/2006/main">
+  <p:cSld>
+    <p:spTree>
+      <p:nvGrpSpPr>
+        <p:cNvPr id="1" name=""/>
+        <p:cNvGrpSpPr/>
+        <p:nvPr/>
+      </p:nvGrpSpPr>
+      <p:grpSpPr>
+        <a:xfrm>
+          <a:off x="0" y="0"/>
+          <a:ext cx="0" cy="0"/>
+          <a:chOff x="0" y="0"/>
+          <a:chExt cx="0" cy="0"/>
+        </a:xfrm>
+      </p:grpSpPr>
+      <p:sp>
+        <p:nvSpPr>
+          <p:cNvPr id="2" name="Образ слайда 1"/>
+          <p:cNvSpPr>
+            <a:spLocks noGrp="1" noRot="1" noChangeAspect="1"/>
+          </p:cNvSpPr>
+          <p:nvPr>
+            <p:ph type="sldImg"/>
+          </p:nvPr>
+        </p:nvSpPr>
+        <p:spPr/>
+      </p:sp>
+      <p:sp>
+        <p:nvSpPr>
+          <p:cNvPr id="3" name="Заметки 2"/>
+          <p:cNvSpPr>
+            <a:spLocks noGrp="1"/>
+          </p:cNvSpPr>
+          <p:nvPr>
+            <p:ph type="body" idx="1"/>
+          </p:nvPr>
+        </p:nvSpPr>
+        <p:spPr/>
+        <p:txBody>
+          <a:bodyPr/>
+          <a:lstStyle/>
+          <a:p>
+            <a:endParaRPr lang="en-US" dirty="0"/>
+          </a:p>
+        </p:txBody>
+      </p:sp>
+      <p:sp>
+        <p:nvSpPr>
+          <p:cNvPr id="4" name="Номер слайда 3"/>
+          <p:cNvSpPr>
+            <a:spLocks noGrp="1"/>
+          </p:cNvSpPr>
+          <p:nvPr>
+            <p:ph type="sldNum" sz="quarter" idx="5"/>
+          </p:nvPr>
+        </p:nvSpPr>
+        <p:spPr/>
+        <p:txBody>
+          <a:bodyPr/>
+          <a:lstStyle/>
+          <a:p>
+            <a:fld id="{3CFC8D39-0FDD-4F5C-9954-5E97FCD13472}" type="slidenum">
+              <a:rPr lang="en-US" smtClean="0"/>
+              <a:t>10</a:t>
+            </a:fld>
+            <a:endParaRPr lang="en-US"/>
+          </a:p>
+        </p:txBody>
+      </p:sp>
+    </p:spTree>
+    <p:extLst>
+      <p:ext uri="{BB962C8B-B14F-4D97-AF65-F5344CB8AC3E}">
+        <p14:creationId xmlns:p14="http://schemas.microsoft.com/office/powerpoint/2010/main" val="837922935"/>
       </p:ext>
     </p:extLst>
   </p:cSld>
@@ -4210,6 +5145,1063 @@
 </p:sld>
 </file>
 
+<file path=ppt/slides/slide10.xml><?xml version="1.0" encoding="utf-8"?>
+<p:sld xmlns:a="http://schemas.openxmlformats.org/drawingml/2006/main" xmlns:r="http://schemas.openxmlformats.org/officeDocument/2006/relationships" xmlns:p="http://schemas.openxmlformats.org/presentationml/2006/main">
+  <p:cSld>
+    <p:bg>
+      <p:bgPr>
+        <a:blipFill dpi="0" rotWithShape="1">
+          <a:blip r:embed="rId3">
+            <a:lum/>
+          </a:blip>
+          <a:srcRect/>
+          <a:stretch>
+            <a:fillRect l="-23000" r="-23000"/>
+          </a:stretch>
+        </a:blipFill>
+        <a:effectLst/>
+      </p:bgPr>
+    </p:bg>
+    <p:spTree>
+      <p:nvGrpSpPr>
+        <p:cNvPr id="1" name=""/>
+        <p:cNvGrpSpPr/>
+        <p:nvPr/>
+      </p:nvGrpSpPr>
+      <p:grpSpPr>
+        <a:xfrm>
+          <a:off x="0" y="0"/>
+          <a:ext cx="0" cy="0"/>
+          <a:chOff x="0" y="0"/>
+          <a:chExt cx="0" cy="0"/>
+        </a:xfrm>
+      </p:grpSpPr>
+      <p:sp>
+        <p:nvSpPr>
+          <p:cNvPr id="2" name="Заголовок 1">
+            <a:extLst>
+              <a:ext uri="{FF2B5EF4-FFF2-40B4-BE49-F238E27FC236}">
+                <a16:creationId xmlns:a16="http://schemas.microsoft.com/office/drawing/2014/main" id="{FE230D01-4115-4A9E-B936-1D4FD42498CE}"/>
+              </a:ext>
+            </a:extLst>
+          </p:cNvPr>
+          <p:cNvSpPr>
+            <a:spLocks noGrp="1"/>
+          </p:cNvSpPr>
+          <p:nvPr>
+            <p:ph type="title"/>
+          </p:nvPr>
+        </p:nvSpPr>
+        <p:spPr>
+          <a:xfrm>
+            <a:off x="414617" y="365125"/>
+            <a:ext cx="11303250" cy="1325563"/>
+          </a:xfrm>
+        </p:spPr>
+        <p:txBody>
+          <a:bodyPr/>
+          <a:lstStyle/>
+          <a:p>
+            <a:r>
+              <a:rPr lang="en-US" b="1" dirty="0">
+                <a:effectLst>
+                  <a:outerShdw blurRad="38100" dist="38100" dir="2700000" algn="tl">
+                    <a:srgbClr val="000000">
+                      <a:alpha val="43137"/>
+                    </a:srgbClr>
+                  </a:outerShdw>
+                </a:effectLst>
+              </a:rPr>
+              <a:t>Flex grow – Flex </a:t>
+            </a:r>
+            <a:r>
+              <a:rPr lang="en-US" b="1" dirty="0" err="1">
+                <a:effectLst>
+                  <a:outerShdw blurRad="38100" dist="38100" dir="2700000" algn="tl">
+                    <a:srgbClr val="000000">
+                      <a:alpha val="43137"/>
+                    </a:srgbClr>
+                  </a:outerShdw>
+                </a:effectLst>
+              </a:rPr>
+              <a:t>shink</a:t>
+            </a:r>
+            <a:endParaRPr lang="en-US" b="1" dirty="0">
+              <a:effectLst>
+                <a:outerShdw blurRad="38100" dist="38100" dir="2700000" algn="tl">
+                  <a:srgbClr val="000000">
+                    <a:alpha val="43137"/>
+                  </a:srgbClr>
+                </a:outerShdw>
+              </a:effectLst>
+            </a:endParaRPr>
+          </a:p>
+        </p:txBody>
+      </p:sp>
+      <p:sp>
+        <p:nvSpPr>
+          <p:cNvPr id="5" name="Объект 3">
+            <a:extLst>
+              <a:ext uri="{FF2B5EF4-FFF2-40B4-BE49-F238E27FC236}">
+                <a16:creationId xmlns:a16="http://schemas.microsoft.com/office/drawing/2014/main" id="{ED4F35FD-C36F-41C4-8F84-ECD3183CEA06}"/>
+              </a:ext>
+            </a:extLst>
+          </p:cNvPr>
+          <p:cNvSpPr txBox="1">
+            <a:spLocks/>
+          </p:cNvSpPr>
+          <p:nvPr/>
+        </p:nvSpPr>
+        <p:spPr>
+          <a:xfrm>
+            <a:off x="414617" y="1825625"/>
+            <a:ext cx="4541205" cy="4667250"/>
+          </a:xfrm>
+          <a:prstGeom prst="rect">
+            <a:avLst/>
+          </a:prstGeom>
+        </p:spPr>
+        <p:txBody>
+          <a:bodyPr vert="horz" lIns="91440" tIns="45720" rIns="91440" bIns="45720" rtlCol="0">
+            <a:normAutofit/>
+          </a:bodyPr>
+          <a:lstStyle>
+            <a:lvl1pPr marL="228600" indent="-228600" algn="l" defTabSz="914400" rtl="0" eaLnBrk="1" latinLnBrk="0" hangingPunct="1">
+              <a:lnSpc>
+                <a:spcPct val="90000"/>
+              </a:lnSpc>
+              <a:spcBef>
+                <a:spcPts val="1000"/>
+              </a:spcBef>
+              <a:buFont typeface="Arial" panose="020B0604020202020204" pitchFamily="34" charset="0"/>
+              <a:buChar char="•"/>
+              <a:defRPr sz="2800" kern="1200">
+                <a:solidFill>
+                  <a:schemeClr val="tx1"/>
+                </a:solidFill>
+                <a:latin typeface="+mn-lt"/>
+                <a:ea typeface="+mn-ea"/>
+                <a:cs typeface="+mn-cs"/>
+              </a:defRPr>
+            </a:lvl1pPr>
+            <a:lvl2pPr marL="685800" indent="-228600" algn="l" defTabSz="914400" rtl="0" eaLnBrk="1" latinLnBrk="0" hangingPunct="1">
+              <a:lnSpc>
+                <a:spcPct val="90000"/>
+              </a:lnSpc>
+              <a:spcBef>
+                <a:spcPts val="500"/>
+              </a:spcBef>
+              <a:buFont typeface="Arial" panose="020B0604020202020204" pitchFamily="34" charset="0"/>
+              <a:buChar char="•"/>
+              <a:defRPr sz="2400" kern="1200">
+                <a:solidFill>
+                  <a:schemeClr val="tx1"/>
+                </a:solidFill>
+                <a:latin typeface="+mn-lt"/>
+                <a:ea typeface="+mn-ea"/>
+                <a:cs typeface="+mn-cs"/>
+              </a:defRPr>
+            </a:lvl2pPr>
+            <a:lvl3pPr marL="1143000" indent="-228600" algn="l" defTabSz="914400" rtl="0" eaLnBrk="1" latinLnBrk="0" hangingPunct="1">
+              <a:lnSpc>
+                <a:spcPct val="90000"/>
+              </a:lnSpc>
+              <a:spcBef>
+                <a:spcPts val="500"/>
+              </a:spcBef>
+              <a:buFont typeface="Arial" panose="020B0604020202020204" pitchFamily="34" charset="0"/>
+              <a:buChar char="•"/>
+              <a:defRPr sz="2000" kern="1200">
+                <a:solidFill>
+                  <a:schemeClr val="tx1"/>
+                </a:solidFill>
+                <a:latin typeface="+mn-lt"/>
+                <a:ea typeface="+mn-ea"/>
+                <a:cs typeface="+mn-cs"/>
+              </a:defRPr>
+            </a:lvl3pPr>
+            <a:lvl4pPr marL="1600200" indent="-228600" algn="l" defTabSz="914400" rtl="0" eaLnBrk="1" latinLnBrk="0" hangingPunct="1">
+              <a:lnSpc>
+                <a:spcPct val="90000"/>
+              </a:lnSpc>
+              <a:spcBef>
+                <a:spcPts val="500"/>
+              </a:spcBef>
+              <a:buFont typeface="Arial" panose="020B0604020202020204" pitchFamily="34" charset="0"/>
+              <a:buChar char="•"/>
+              <a:defRPr sz="1800" kern="1200">
+                <a:solidFill>
+                  <a:schemeClr val="tx1"/>
+                </a:solidFill>
+                <a:latin typeface="+mn-lt"/>
+                <a:ea typeface="+mn-ea"/>
+                <a:cs typeface="+mn-cs"/>
+              </a:defRPr>
+            </a:lvl4pPr>
+            <a:lvl5pPr marL="2057400" indent="-228600" algn="l" defTabSz="914400" rtl="0" eaLnBrk="1" latinLnBrk="0" hangingPunct="1">
+              <a:lnSpc>
+                <a:spcPct val="90000"/>
+              </a:lnSpc>
+              <a:spcBef>
+                <a:spcPts val="500"/>
+              </a:spcBef>
+              <a:buFont typeface="Arial" panose="020B0604020202020204" pitchFamily="34" charset="0"/>
+              <a:buChar char="•"/>
+              <a:defRPr sz="1800" kern="1200">
+                <a:solidFill>
+                  <a:schemeClr val="tx1"/>
+                </a:solidFill>
+                <a:latin typeface="+mn-lt"/>
+                <a:ea typeface="+mn-ea"/>
+                <a:cs typeface="+mn-cs"/>
+              </a:defRPr>
+            </a:lvl5pPr>
+            <a:lvl6pPr marL="2514600" indent="-228600" algn="l" defTabSz="914400" rtl="0" eaLnBrk="1" latinLnBrk="0" hangingPunct="1">
+              <a:lnSpc>
+                <a:spcPct val="90000"/>
+              </a:lnSpc>
+              <a:spcBef>
+                <a:spcPts val="500"/>
+              </a:spcBef>
+              <a:buFont typeface="Arial" panose="020B0604020202020204" pitchFamily="34" charset="0"/>
+              <a:buChar char="•"/>
+              <a:defRPr sz="1800" kern="1200">
+                <a:solidFill>
+                  <a:schemeClr val="tx1"/>
+                </a:solidFill>
+                <a:latin typeface="+mn-lt"/>
+                <a:ea typeface="+mn-ea"/>
+                <a:cs typeface="+mn-cs"/>
+              </a:defRPr>
+            </a:lvl6pPr>
+            <a:lvl7pPr marL="2971800" indent="-228600" algn="l" defTabSz="914400" rtl="0" eaLnBrk="1" latinLnBrk="0" hangingPunct="1">
+              <a:lnSpc>
+                <a:spcPct val="90000"/>
+              </a:lnSpc>
+              <a:spcBef>
+                <a:spcPts val="500"/>
+              </a:spcBef>
+              <a:buFont typeface="Arial" panose="020B0604020202020204" pitchFamily="34" charset="0"/>
+              <a:buChar char="•"/>
+              <a:defRPr sz="1800" kern="1200">
+                <a:solidFill>
+                  <a:schemeClr val="tx1"/>
+                </a:solidFill>
+                <a:latin typeface="+mn-lt"/>
+                <a:ea typeface="+mn-ea"/>
+                <a:cs typeface="+mn-cs"/>
+              </a:defRPr>
+            </a:lvl7pPr>
+            <a:lvl8pPr marL="3429000" indent="-228600" algn="l" defTabSz="914400" rtl="0" eaLnBrk="1" latinLnBrk="0" hangingPunct="1">
+              <a:lnSpc>
+                <a:spcPct val="90000"/>
+              </a:lnSpc>
+              <a:spcBef>
+                <a:spcPts val="500"/>
+              </a:spcBef>
+              <a:buFont typeface="Arial" panose="020B0604020202020204" pitchFamily="34" charset="0"/>
+              <a:buChar char="•"/>
+              <a:defRPr sz="1800" kern="1200">
+                <a:solidFill>
+                  <a:schemeClr val="tx1"/>
+                </a:solidFill>
+                <a:latin typeface="+mn-lt"/>
+                <a:ea typeface="+mn-ea"/>
+                <a:cs typeface="+mn-cs"/>
+              </a:defRPr>
+            </a:lvl8pPr>
+            <a:lvl9pPr marL="3886200" indent="-228600" algn="l" defTabSz="914400" rtl="0" eaLnBrk="1" latinLnBrk="0" hangingPunct="1">
+              <a:lnSpc>
+                <a:spcPct val="90000"/>
+              </a:lnSpc>
+              <a:spcBef>
+                <a:spcPts val="500"/>
+              </a:spcBef>
+              <a:buFont typeface="Arial" panose="020B0604020202020204" pitchFamily="34" charset="0"/>
+              <a:buChar char="•"/>
+              <a:defRPr sz="1800" kern="1200">
+                <a:solidFill>
+                  <a:schemeClr val="tx1"/>
+                </a:solidFill>
+                <a:latin typeface="+mn-lt"/>
+                <a:ea typeface="+mn-ea"/>
+                <a:cs typeface="+mn-cs"/>
+              </a:defRPr>
+            </a:lvl9pPr>
+          </a:lstStyle>
+          <a:p>
+            <a:r>
+              <a:rPr lang="en-US" sz="2000" b="1" dirty="0"/>
+              <a:t>flex-grow:</a:t>
+            </a:r>
+            <a:r>
+              <a:rPr lang="en-US" sz="2000" dirty="0"/>
+              <a:t> </a:t>
+            </a:r>
+            <a:r>
+              <a:rPr lang="hy-AM" sz="2000" dirty="0"/>
+              <a:t>հատկությունը սահմանում է, թե որքան պետք է տեգն աճի իր հարևանների համեմատ՝ եթե ազատ տարածք կա </a:t>
+            </a:r>
+            <a:r>
+              <a:rPr lang="en-US" sz="2000" b="1" dirty="0"/>
+              <a:t>flex-container</a:t>
+            </a:r>
+            <a:r>
+              <a:rPr lang="en-US" sz="2000" dirty="0"/>
+              <a:t>-</a:t>
+            </a:r>
+            <a:r>
+              <a:rPr lang="hy-AM" sz="2000" dirty="0"/>
+              <a:t>ում։ Այս հատկությունը ընդունում է դրական թվային արժեք, որը ցույց է տալիս աճելու գործակիցը։</a:t>
+            </a:r>
+            <a:endParaRPr lang="hy-AM" sz="1200" dirty="0"/>
+          </a:p>
+          <a:p>
+            <a:br>
+              <a:rPr lang="hy-AM" sz="1200" dirty="0"/>
+            </a:br>
+            <a:r>
+              <a:rPr lang="en-US" sz="2000" b="1" dirty="0"/>
+              <a:t>flex-shrink:</a:t>
+            </a:r>
+            <a:r>
+              <a:rPr lang="en-US" sz="2000" dirty="0"/>
+              <a:t> </a:t>
+            </a:r>
+            <a:r>
+              <a:rPr lang="hy-AM" sz="2000" dirty="0"/>
+              <a:t>հատկությունը թույլ է տալիս որոշել, թե որքան պետք է փոքրանա տարրը, երբ կոնտեյներում տեղը քիչ է։ Այս հատկությունը նույնպես ընդունում է թվային արժեք: Եթե այն մեծ է, տարրը ավելի շատ կպակասի:</a:t>
+            </a:r>
+            <a:br>
+              <a:rPr lang="hy-AM" sz="1200" dirty="0"/>
+            </a:br>
+            <a:endParaRPr lang="hy-AM" sz="1200" dirty="0"/>
+          </a:p>
+        </p:txBody>
+      </p:sp>
+      <p:pic>
+        <p:nvPicPr>
+          <p:cNvPr id="10" name="Объект 9">
+            <a:extLst>
+              <a:ext uri="{FF2B5EF4-FFF2-40B4-BE49-F238E27FC236}">
+                <a16:creationId xmlns:a16="http://schemas.microsoft.com/office/drawing/2014/main" id="{948992A5-C1B1-4CCD-A491-71A01708DB73}"/>
+              </a:ext>
+            </a:extLst>
+          </p:cNvPr>
+          <p:cNvPicPr>
+            <a:picLocks noGrp="1" noChangeAspect="1"/>
+          </p:cNvPicPr>
+          <p:nvPr>
+            <p:ph idx="1"/>
+          </p:nvPr>
+        </p:nvPicPr>
+        <p:blipFill>
+          <a:blip r:embed="rId4">
+            <a:extLst>
+              <a:ext uri="{28A0092B-C50C-407E-A947-70E740481C1C}">
+                <a14:useLocalDpi xmlns:a14="http://schemas.microsoft.com/office/drawing/2010/main" val="0"/>
+              </a:ext>
+            </a:extLst>
+          </a:blip>
+          <a:stretch>
+            <a:fillRect/>
+          </a:stretch>
+        </p:blipFill>
+        <p:spPr>
+          <a:xfrm>
+            <a:off x="4956175" y="1894999"/>
+            <a:ext cx="6397625" cy="4212590"/>
+          </a:xfrm>
+        </p:spPr>
+      </p:pic>
+    </p:spTree>
+    <p:extLst>
+      <p:ext uri="{BB962C8B-B14F-4D97-AF65-F5344CB8AC3E}">
+        <p14:creationId xmlns:p14="http://schemas.microsoft.com/office/powerpoint/2010/main" val="526774486"/>
+      </p:ext>
+    </p:extLst>
+  </p:cSld>
+  <p:clrMapOvr>
+    <a:masterClrMapping/>
+  </p:clrMapOvr>
+</p:sld>
+</file>
+
+<file path=ppt/slides/slide11.xml><?xml version="1.0" encoding="utf-8"?>
+<p:sld xmlns:a="http://schemas.openxmlformats.org/drawingml/2006/main" xmlns:r="http://schemas.openxmlformats.org/officeDocument/2006/relationships" xmlns:p="http://schemas.openxmlformats.org/presentationml/2006/main">
+  <p:cSld>
+    <p:bg>
+      <p:bgPr>
+        <a:blipFill dpi="0" rotWithShape="1">
+          <a:blip r:embed="rId3">
+            <a:lum/>
+          </a:blip>
+          <a:srcRect/>
+          <a:stretch>
+            <a:fillRect l="-23000" r="-23000"/>
+          </a:stretch>
+        </a:blipFill>
+        <a:effectLst/>
+      </p:bgPr>
+    </p:bg>
+    <p:spTree>
+      <p:nvGrpSpPr>
+        <p:cNvPr id="1" name=""/>
+        <p:cNvGrpSpPr/>
+        <p:nvPr/>
+      </p:nvGrpSpPr>
+      <p:grpSpPr>
+        <a:xfrm>
+          <a:off x="0" y="0"/>
+          <a:ext cx="0" cy="0"/>
+          <a:chOff x="0" y="0"/>
+          <a:chExt cx="0" cy="0"/>
+        </a:xfrm>
+      </p:grpSpPr>
+      <p:sp>
+        <p:nvSpPr>
+          <p:cNvPr id="2" name="Заголовок 1">
+            <a:extLst>
+              <a:ext uri="{FF2B5EF4-FFF2-40B4-BE49-F238E27FC236}">
+                <a16:creationId xmlns:a16="http://schemas.microsoft.com/office/drawing/2014/main" id="{FE230D01-4115-4A9E-B936-1D4FD42498CE}"/>
+              </a:ext>
+            </a:extLst>
+          </p:cNvPr>
+          <p:cNvSpPr>
+            <a:spLocks noGrp="1"/>
+          </p:cNvSpPr>
+          <p:nvPr>
+            <p:ph type="title"/>
+          </p:nvPr>
+        </p:nvSpPr>
+        <p:spPr>
+          <a:xfrm>
+            <a:off x="414617" y="365125"/>
+            <a:ext cx="11303250" cy="1325563"/>
+          </a:xfrm>
+        </p:spPr>
+        <p:txBody>
+          <a:bodyPr/>
+          <a:lstStyle/>
+          <a:p>
+            <a:r>
+              <a:rPr lang="en-US" b="1" dirty="0">
+                <a:effectLst>
+                  <a:outerShdw blurRad="38100" dist="38100" dir="2700000" algn="tl">
+                    <a:srgbClr val="000000">
+                      <a:alpha val="43137"/>
+                    </a:srgbClr>
+                  </a:outerShdw>
+                </a:effectLst>
+              </a:rPr>
+              <a:t>Flex basis</a:t>
+            </a:r>
+          </a:p>
+        </p:txBody>
+      </p:sp>
+      <p:sp>
+        <p:nvSpPr>
+          <p:cNvPr id="4" name="Объект 3">
+            <a:extLst>
+              <a:ext uri="{FF2B5EF4-FFF2-40B4-BE49-F238E27FC236}">
+                <a16:creationId xmlns:a16="http://schemas.microsoft.com/office/drawing/2014/main" id="{F4EE9C21-E689-4F19-B85B-50EF8AA9D4FC}"/>
+              </a:ext>
+            </a:extLst>
+          </p:cNvPr>
+          <p:cNvSpPr>
+            <a:spLocks noGrp="1"/>
+          </p:cNvSpPr>
+          <p:nvPr>
+            <p:ph idx="1"/>
+          </p:nvPr>
+        </p:nvSpPr>
+        <p:spPr>
+          <a:xfrm>
+            <a:off x="414617" y="1825625"/>
+            <a:ext cx="11303250" cy="975069"/>
+          </a:xfrm>
+        </p:spPr>
+        <p:txBody>
+          <a:bodyPr>
+            <a:normAutofit/>
+          </a:bodyPr>
+          <a:lstStyle/>
+          <a:p>
+            <a:r>
+              <a:rPr lang="en-US" sz="2000" b="1" dirty="0"/>
+              <a:t>flex-basis:</a:t>
+            </a:r>
+            <a:r>
+              <a:rPr lang="en-US" sz="2000" dirty="0"/>
+              <a:t> </a:t>
+            </a:r>
+            <a:r>
+              <a:rPr lang="hy-AM" sz="2000" dirty="0"/>
+              <a:t>հատկությունը սահմանում է, թե որքա՞ն տարածք պետք է սկզբում զբաղեցնի տարրը մինչև նրա մեծացումը կամ փոքրացումը։ Այն գործնականում աշխատում է որպես տարրի սկզբնական չափի սահմանիչ։ </a:t>
+            </a:r>
+          </a:p>
+        </p:txBody>
+      </p:sp>
+      <p:pic>
+        <p:nvPicPr>
+          <p:cNvPr id="5" name="Рисунок 4">
+            <a:extLst>
+              <a:ext uri="{FF2B5EF4-FFF2-40B4-BE49-F238E27FC236}">
+                <a16:creationId xmlns:a16="http://schemas.microsoft.com/office/drawing/2014/main" id="{1E8AB654-7EE5-4A03-A5E1-95D0B4A1F259}"/>
+              </a:ext>
+            </a:extLst>
+          </p:cNvPr>
+          <p:cNvPicPr>
+            <a:picLocks noChangeAspect="1"/>
+          </p:cNvPicPr>
+          <p:nvPr/>
+        </p:nvPicPr>
+        <p:blipFill>
+          <a:blip r:embed="rId4">
+            <a:extLst>
+              <a:ext uri="{28A0092B-C50C-407E-A947-70E740481C1C}">
+                <a14:useLocalDpi xmlns:a14="http://schemas.microsoft.com/office/drawing/2010/main" val="0"/>
+              </a:ext>
+            </a:extLst>
+          </a:blip>
+          <a:stretch>
+            <a:fillRect/>
+          </a:stretch>
+        </p:blipFill>
+        <p:spPr>
+          <a:xfrm>
+            <a:off x="756355" y="2800694"/>
+            <a:ext cx="10351912" cy="3692181"/>
+          </a:xfrm>
+          <a:prstGeom prst="rect">
+            <a:avLst/>
+          </a:prstGeom>
+        </p:spPr>
+      </p:pic>
+    </p:spTree>
+    <p:extLst>
+      <p:ext uri="{BB962C8B-B14F-4D97-AF65-F5344CB8AC3E}">
+        <p14:creationId xmlns:p14="http://schemas.microsoft.com/office/powerpoint/2010/main" val="2077764958"/>
+      </p:ext>
+    </p:extLst>
+  </p:cSld>
+  <p:clrMapOvr>
+    <a:masterClrMapping/>
+  </p:clrMapOvr>
+</p:sld>
+</file>
+
+<file path=ppt/slides/slide12.xml><?xml version="1.0" encoding="utf-8"?>
+<p:sld xmlns:a="http://schemas.openxmlformats.org/drawingml/2006/main" xmlns:r="http://schemas.openxmlformats.org/officeDocument/2006/relationships" xmlns:p="http://schemas.openxmlformats.org/presentationml/2006/main">
+  <p:cSld>
+    <p:bg>
+      <p:bgPr>
+        <a:blipFill dpi="0" rotWithShape="1">
+          <a:blip r:embed="rId3">
+            <a:lum/>
+          </a:blip>
+          <a:srcRect/>
+          <a:stretch>
+            <a:fillRect l="-23000" r="-23000"/>
+          </a:stretch>
+        </a:blipFill>
+        <a:effectLst/>
+      </p:bgPr>
+    </p:bg>
+    <p:spTree>
+      <p:nvGrpSpPr>
+        <p:cNvPr id="1" name=""/>
+        <p:cNvGrpSpPr/>
+        <p:nvPr/>
+      </p:nvGrpSpPr>
+      <p:grpSpPr>
+        <a:xfrm>
+          <a:off x="0" y="0"/>
+          <a:ext cx="0" cy="0"/>
+          <a:chOff x="0" y="0"/>
+          <a:chExt cx="0" cy="0"/>
+        </a:xfrm>
+      </p:grpSpPr>
+      <p:sp>
+        <p:nvSpPr>
+          <p:cNvPr id="2" name="Заголовок 1">
+            <a:extLst>
+              <a:ext uri="{FF2B5EF4-FFF2-40B4-BE49-F238E27FC236}">
+                <a16:creationId xmlns:a16="http://schemas.microsoft.com/office/drawing/2014/main" id="{FE230D01-4115-4A9E-B936-1D4FD42498CE}"/>
+              </a:ext>
+            </a:extLst>
+          </p:cNvPr>
+          <p:cNvSpPr>
+            <a:spLocks noGrp="1"/>
+          </p:cNvSpPr>
+          <p:nvPr>
+            <p:ph type="title"/>
+          </p:nvPr>
+        </p:nvSpPr>
+        <p:spPr>
+          <a:xfrm>
+            <a:off x="414617" y="365125"/>
+            <a:ext cx="11303250" cy="1325563"/>
+          </a:xfrm>
+        </p:spPr>
+        <p:txBody>
+          <a:bodyPr/>
+          <a:lstStyle/>
+          <a:p>
+            <a:r>
+              <a:rPr lang="en-US" b="1" dirty="0">
+                <a:effectLst>
+                  <a:outerShdw blurRad="38100" dist="38100" dir="2700000" algn="tl">
+                    <a:srgbClr val="000000">
+                      <a:alpha val="43137"/>
+                    </a:srgbClr>
+                  </a:outerShdw>
+                </a:effectLst>
+                <a:latin typeface="Calibri Light (Заголовки)"/>
+              </a:rPr>
+              <a:t>Flex </a:t>
+            </a:r>
+            <a:r>
+              <a:rPr lang="hy-AM" b="1" dirty="0">
+                <a:effectLst>
+                  <a:outerShdw blurRad="38100" dist="38100" dir="2700000" algn="tl">
+                    <a:srgbClr val="000000">
+                      <a:alpha val="43137"/>
+                    </a:srgbClr>
+                  </a:outerShdw>
+                </a:effectLst>
+                <a:latin typeface="Calibri Light (Заголовки)"/>
+              </a:rPr>
+              <a:t>կարճ գրառում</a:t>
+            </a:r>
+            <a:endParaRPr lang="en-US" b="1" dirty="0">
+              <a:effectLst>
+                <a:outerShdw blurRad="38100" dist="38100" dir="2700000" algn="tl">
+                  <a:srgbClr val="000000">
+                    <a:alpha val="43137"/>
+                  </a:srgbClr>
+                </a:outerShdw>
+              </a:effectLst>
+              <a:latin typeface="Calibri Light (Заголовки)"/>
+            </a:endParaRPr>
+          </a:p>
+        </p:txBody>
+      </p:sp>
+      <p:sp>
+        <p:nvSpPr>
+          <p:cNvPr id="4" name="Объект 3">
+            <a:extLst>
+              <a:ext uri="{FF2B5EF4-FFF2-40B4-BE49-F238E27FC236}">
+                <a16:creationId xmlns:a16="http://schemas.microsoft.com/office/drawing/2014/main" id="{F4EE9C21-E689-4F19-B85B-50EF8AA9D4FC}"/>
+              </a:ext>
+            </a:extLst>
+          </p:cNvPr>
+          <p:cNvSpPr>
+            <a:spLocks noGrp="1"/>
+          </p:cNvSpPr>
+          <p:nvPr>
+            <p:ph idx="1"/>
+          </p:nvPr>
+        </p:nvSpPr>
+        <p:spPr>
+          <a:xfrm>
+            <a:off x="414617" y="1825625"/>
+            <a:ext cx="11303250" cy="1199797"/>
+          </a:xfrm>
+        </p:spPr>
+        <p:txBody>
+          <a:bodyPr>
+            <a:normAutofit fontScale="77500" lnSpcReduction="20000"/>
+          </a:bodyPr>
+          <a:lstStyle/>
+          <a:p>
+            <a:r>
+              <a:rPr lang="en-US" dirty="0"/>
+              <a:t>flex: </a:t>
+            </a:r>
+            <a:r>
+              <a:rPr lang="hy-AM" dirty="0"/>
+              <a:t>կարճ գրառումն է, որը միավորում է երեք հատկությունները՝ </a:t>
+            </a:r>
+            <a:r>
+              <a:rPr lang="en-US" dirty="0"/>
+              <a:t>flex-grow, flex-shrink </a:t>
+            </a:r>
+            <a:r>
+              <a:rPr lang="hy-AM" dirty="0"/>
+              <a:t>և </a:t>
+            </a:r>
+            <a:r>
+              <a:rPr lang="en-US" dirty="0"/>
+              <a:t>flex-basis-</a:t>
+            </a:r>
+            <a:r>
+              <a:rPr lang="hy-AM" dirty="0"/>
+              <a:t>ը:</a:t>
+            </a:r>
+          </a:p>
+          <a:p>
+            <a:pPr marL="0" indent="0">
+              <a:buNone/>
+            </a:pPr>
+            <a:br>
+              <a:rPr lang="hy-AM" dirty="0"/>
+            </a:br>
+            <a:endParaRPr lang="en-US" dirty="0"/>
+          </a:p>
+        </p:txBody>
+      </p:sp>
+      <p:pic>
+        <p:nvPicPr>
+          <p:cNvPr id="5" name="Рисунок 4">
+            <a:extLst>
+              <a:ext uri="{FF2B5EF4-FFF2-40B4-BE49-F238E27FC236}">
+                <a16:creationId xmlns:a16="http://schemas.microsoft.com/office/drawing/2014/main" id="{7F15CB06-49A5-4AFA-8FDA-243ACC91B8BF}"/>
+              </a:ext>
+            </a:extLst>
+          </p:cNvPr>
+          <p:cNvPicPr>
+            <a:picLocks noChangeAspect="1"/>
+          </p:cNvPicPr>
+          <p:nvPr/>
+        </p:nvPicPr>
+        <p:blipFill>
+          <a:blip r:embed="rId4">
+            <a:extLst>
+              <a:ext uri="{28A0092B-C50C-407E-A947-70E740481C1C}">
+                <a14:useLocalDpi xmlns:a14="http://schemas.microsoft.com/office/drawing/2010/main" val="0"/>
+              </a:ext>
+            </a:extLst>
+          </a:blip>
+          <a:stretch>
+            <a:fillRect/>
+          </a:stretch>
+        </p:blipFill>
+        <p:spPr>
+          <a:xfrm>
+            <a:off x="414617" y="2425522"/>
+            <a:ext cx="11066183" cy="1058304"/>
+          </a:xfrm>
+          <a:prstGeom prst="rect">
+            <a:avLst/>
+          </a:prstGeom>
+        </p:spPr>
+      </p:pic>
+      <p:sp>
+        <p:nvSpPr>
+          <p:cNvPr id="6" name="TextBox 5">
+            <a:extLst>
+              <a:ext uri="{FF2B5EF4-FFF2-40B4-BE49-F238E27FC236}">
+                <a16:creationId xmlns:a16="http://schemas.microsoft.com/office/drawing/2014/main" id="{4F2150F1-DB61-40AF-847D-C89345F76ED1}"/>
+              </a:ext>
+            </a:extLst>
+          </p:cNvPr>
+          <p:cNvSpPr txBox="1"/>
+          <p:nvPr/>
+        </p:nvSpPr>
+        <p:spPr>
+          <a:xfrm>
+            <a:off x="414617" y="3793067"/>
+            <a:ext cx="11066183" cy="1754326"/>
+          </a:xfrm>
+          <a:prstGeom prst="rect">
+            <a:avLst/>
+          </a:prstGeom>
+          <a:noFill/>
+        </p:spPr>
+        <p:txBody>
+          <a:bodyPr wrap="square" rtlCol="0">
+            <a:spAutoFit/>
+          </a:bodyPr>
+          <a:lstStyle/>
+          <a:p>
+            <a:r>
+              <a:rPr lang="hy-AM" dirty="0"/>
+              <a:t>Այս դեպքում տարրը կունենա </a:t>
+            </a:r>
+            <a:r>
+              <a:rPr lang="en-US" b="1" dirty="0"/>
+              <a:t>flex-grow</a:t>
+            </a:r>
+            <a:r>
+              <a:rPr lang="en-US" dirty="0"/>
+              <a:t>: 1, </a:t>
+            </a:r>
+            <a:r>
+              <a:rPr lang="en-US" b="1" dirty="0"/>
+              <a:t>flex-shrink</a:t>
+            </a:r>
+            <a:r>
+              <a:rPr lang="en-US" dirty="0"/>
+              <a:t>: 0 </a:t>
+            </a:r>
+            <a:r>
+              <a:rPr lang="hy-AM" dirty="0"/>
+              <a:t>և </a:t>
+            </a:r>
+            <a:r>
+              <a:rPr lang="en-US" b="1" dirty="0"/>
+              <a:t>flex-basis</a:t>
+            </a:r>
+            <a:r>
+              <a:rPr lang="en-US" dirty="0"/>
+              <a:t>: </a:t>
+            </a:r>
+            <a:r>
+              <a:rPr lang="en-US" dirty="0" err="1"/>
+              <a:t>100px</a:t>
+            </a:r>
+            <a:r>
+              <a:rPr lang="en-US" dirty="0"/>
+              <a:t>։</a:t>
+            </a:r>
+          </a:p>
+          <a:p>
+            <a:r>
+              <a:rPr lang="en-US" dirty="0"/>
+              <a:t>1 — </a:t>
+            </a:r>
+            <a:r>
+              <a:rPr lang="hy-AM" dirty="0"/>
+              <a:t>տարրը աճում է ազատ տարածքի 1 մասով։</a:t>
+            </a:r>
+          </a:p>
+          <a:p>
+            <a:r>
+              <a:rPr lang="hy-AM" dirty="0"/>
+              <a:t>0 — տարրը չի փոքրանում, եթե տարածքը փոքրանում է։</a:t>
+            </a:r>
+          </a:p>
+          <a:p>
+            <a:r>
+              <a:rPr lang="hy-AM" dirty="0"/>
+              <a:t>100</a:t>
+            </a:r>
+            <a:r>
+              <a:rPr lang="en-US" dirty="0"/>
+              <a:t>px — </a:t>
+            </a:r>
+            <a:r>
+              <a:rPr lang="hy-AM" dirty="0"/>
+              <a:t>տարրի նախնական չափսը 100</a:t>
+            </a:r>
+            <a:r>
+              <a:rPr lang="en-US" dirty="0"/>
+              <a:t>px </a:t>
+            </a:r>
+            <a:r>
+              <a:rPr lang="hy-AM" dirty="0"/>
+              <a:t>է։</a:t>
+            </a:r>
+          </a:p>
+          <a:p>
+            <a:br>
+              <a:rPr lang="hy-AM" dirty="0"/>
+            </a:br>
+            <a:endParaRPr lang="en-US" dirty="0"/>
+          </a:p>
+        </p:txBody>
+      </p:sp>
+    </p:spTree>
+    <p:extLst>
+      <p:ext uri="{BB962C8B-B14F-4D97-AF65-F5344CB8AC3E}">
+        <p14:creationId xmlns:p14="http://schemas.microsoft.com/office/powerpoint/2010/main" val="442371024"/>
+      </p:ext>
+    </p:extLst>
+  </p:cSld>
+  <p:clrMapOvr>
+    <a:masterClrMapping/>
+  </p:clrMapOvr>
+</p:sld>
+</file>
+
+<file path=ppt/slides/slide13.xml><?xml version="1.0" encoding="utf-8"?>
+<p:sld xmlns:a="http://schemas.openxmlformats.org/drawingml/2006/main" xmlns:r="http://schemas.openxmlformats.org/officeDocument/2006/relationships" xmlns:p="http://schemas.openxmlformats.org/presentationml/2006/main">
+  <p:cSld>
+    <p:bg>
+      <p:bgPr>
+        <a:blipFill dpi="0" rotWithShape="1">
+          <a:blip r:embed="rId3">
+            <a:lum/>
+          </a:blip>
+          <a:srcRect/>
+          <a:stretch>
+            <a:fillRect l="-23000" r="-23000"/>
+          </a:stretch>
+        </a:blipFill>
+        <a:effectLst/>
+      </p:bgPr>
+    </p:bg>
+    <p:spTree>
+      <p:nvGrpSpPr>
+        <p:cNvPr id="1" name=""/>
+        <p:cNvGrpSpPr/>
+        <p:nvPr/>
+      </p:nvGrpSpPr>
+      <p:grpSpPr>
+        <a:xfrm>
+          <a:off x="0" y="0"/>
+          <a:ext cx="0" cy="0"/>
+          <a:chOff x="0" y="0"/>
+          <a:chExt cx="0" cy="0"/>
+        </a:xfrm>
+      </p:grpSpPr>
+      <p:sp>
+        <p:nvSpPr>
+          <p:cNvPr id="2" name="Заголовок 1">
+            <a:extLst>
+              <a:ext uri="{FF2B5EF4-FFF2-40B4-BE49-F238E27FC236}">
+                <a16:creationId xmlns:a16="http://schemas.microsoft.com/office/drawing/2014/main" id="{FE230D01-4115-4A9E-B936-1D4FD42498CE}"/>
+              </a:ext>
+            </a:extLst>
+          </p:cNvPr>
+          <p:cNvSpPr>
+            <a:spLocks noGrp="1"/>
+          </p:cNvSpPr>
+          <p:nvPr>
+            <p:ph type="title"/>
+          </p:nvPr>
+        </p:nvSpPr>
+        <p:spPr>
+          <a:xfrm>
+            <a:off x="414617" y="365125"/>
+            <a:ext cx="11303250" cy="1325563"/>
+          </a:xfrm>
+        </p:spPr>
+        <p:txBody>
+          <a:bodyPr/>
+          <a:lstStyle/>
+          <a:p>
+            <a:r>
+              <a:rPr lang="en-US" b="1" dirty="0">
+                <a:effectLst>
+                  <a:outerShdw blurRad="38100" dist="38100" dir="2700000" algn="tl">
+                    <a:srgbClr val="000000">
+                      <a:alpha val="43137"/>
+                    </a:srgbClr>
+                  </a:outerShdw>
+                </a:effectLst>
+              </a:rPr>
+              <a:t>Flex order</a:t>
+            </a:r>
+          </a:p>
+        </p:txBody>
+      </p:sp>
+      <p:sp>
+        <p:nvSpPr>
+          <p:cNvPr id="4" name="Объект 3">
+            <a:extLst>
+              <a:ext uri="{FF2B5EF4-FFF2-40B4-BE49-F238E27FC236}">
+                <a16:creationId xmlns:a16="http://schemas.microsoft.com/office/drawing/2014/main" id="{F4EE9C21-E689-4F19-B85B-50EF8AA9D4FC}"/>
+              </a:ext>
+            </a:extLst>
+          </p:cNvPr>
+          <p:cNvSpPr>
+            <a:spLocks noGrp="1"/>
+          </p:cNvSpPr>
+          <p:nvPr>
+            <p:ph idx="1"/>
+          </p:nvPr>
+        </p:nvSpPr>
+        <p:spPr>
+          <a:xfrm>
+            <a:off x="414617" y="1825626"/>
+            <a:ext cx="11303250" cy="2306108"/>
+          </a:xfrm>
+        </p:spPr>
+        <p:txBody>
+          <a:bodyPr>
+            <a:normAutofit lnSpcReduction="10000"/>
+          </a:bodyPr>
+          <a:lstStyle/>
+          <a:p>
+            <a:r>
+              <a:rPr lang="en-US" b="1" dirty="0"/>
+              <a:t>order</a:t>
+            </a:r>
+            <a:r>
+              <a:rPr lang="en-US" dirty="0"/>
+              <a:t> </a:t>
+            </a:r>
+            <a:r>
+              <a:rPr lang="hy-AM" dirty="0"/>
+              <a:t>հատկությունը թույլ է տալիս վերահսկել տարրերի հերթականությունը՝ անկախ նրանից, թե նրանք որ հերթականությամբ են գրված </a:t>
+            </a:r>
+            <a:r>
+              <a:rPr lang="en-US" dirty="0"/>
+              <a:t>HTML-</a:t>
+            </a:r>
+            <a:r>
+              <a:rPr lang="hy-AM" dirty="0"/>
+              <a:t>ում։</a:t>
+            </a:r>
+          </a:p>
+          <a:p>
+            <a:r>
+              <a:rPr lang="en-US" b="1" dirty="0"/>
+              <a:t>order</a:t>
+            </a:r>
+            <a:r>
+              <a:rPr lang="en-US" dirty="0"/>
+              <a:t>-</a:t>
+            </a:r>
+            <a:r>
+              <a:rPr lang="hy-AM" dirty="0"/>
+              <a:t>ի արժեքը ըստ լռելյայն կարգի 0 է։ Ավելի փոքր արժեքները նշանակում են ավելի վաղ, ավելի մեծ արժեքները՝ ավելի ուշ ցուցադրում:</a:t>
+            </a:r>
+            <a:endParaRPr lang="en-US" dirty="0"/>
+          </a:p>
+        </p:txBody>
+      </p:sp>
+      <p:pic>
+        <p:nvPicPr>
+          <p:cNvPr id="5" name="Рисунок 4">
+            <a:extLst>
+              <a:ext uri="{FF2B5EF4-FFF2-40B4-BE49-F238E27FC236}">
+                <a16:creationId xmlns:a16="http://schemas.microsoft.com/office/drawing/2014/main" id="{938FD3B1-463D-40F3-B8E9-332796898106}"/>
+              </a:ext>
+            </a:extLst>
+          </p:cNvPr>
+          <p:cNvPicPr>
+            <a:picLocks noChangeAspect="1"/>
+          </p:cNvPicPr>
+          <p:nvPr/>
+        </p:nvPicPr>
+        <p:blipFill>
+          <a:blip r:embed="rId4">
+            <a:extLst>
+              <a:ext uri="{28A0092B-C50C-407E-A947-70E740481C1C}">
+                <a14:useLocalDpi xmlns:a14="http://schemas.microsoft.com/office/drawing/2010/main" val="0"/>
+              </a:ext>
+            </a:extLst>
+          </a:blip>
+          <a:stretch>
+            <a:fillRect/>
+          </a:stretch>
+        </p:blipFill>
+        <p:spPr>
+          <a:xfrm>
+            <a:off x="119062" y="4211461"/>
+            <a:ext cx="11953875" cy="2476500"/>
+          </a:xfrm>
+          <a:prstGeom prst="rect">
+            <a:avLst/>
+          </a:prstGeom>
+        </p:spPr>
+      </p:pic>
+    </p:spTree>
+    <p:extLst>
+      <p:ext uri="{BB962C8B-B14F-4D97-AF65-F5344CB8AC3E}">
+        <p14:creationId xmlns:p14="http://schemas.microsoft.com/office/powerpoint/2010/main" val="3204330124"/>
+      </p:ext>
+    </p:extLst>
+  </p:cSld>
+  <p:clrMapOvr>
+    <a:masterClrMapping/>
+  </p:clrMapOvr>
+</p:sld>
+</file>
+
 <file path=ppt/slides/slide2.xml><?xml version="1.0" encoding="utf-8"?>
 <p:sld xmlns:a="http://schemas.openxmlformats.org/drawingml/2006/main" xmlns:r="http://schemas.openxmlformats.org/officeDocument/2006/relationships" xmlns:p="http://schemas.openxmlformats.org/presentationml/2006/main">
   <p:cSld>
@@ -4268,7 +6260,15 @@
           <a:lstStyle/>
           <a:p>
             <a:r>
-              <a:rPr lang="en-US" dirty="0"/>
+              <a:rPr lang="en-US" b="1" dirty="0">
+                <a:effectLst>
+                  <a:outerShdw blurRad="38100" dist="38100" dir="2700000" algn="tl">
+                    <a:srgbClr val="000000">
+                      <a:alpha val="43137"/>
+                    </a:srgbClr>
+                  </a:outerShdw>
+                </a:effectLst>
+              </a:rPr>
               <a:t>Flexbox</a:t>
             </a:r>
           </a:p>
@@ -4313,6 +6313,1892 @@
     <p:extLst>
       <p:ext uri="{BB962C8B-B14F-4D97-AF65-F5344CB8AC3E}">
         <p14:creationId xmlns:p14="http://schemas.microsoft.com/office/powerpoint/2010/main" val="3360316361"/>
+      </p:ext>
+    </p:extLst>
+  </p:cSld>
+  <p:clrMapOvr>
+    <a:masterClrMapping/>
+  </p:clrMapOvr>
+</p:sld>
+</file>
+
+<file path=ppt/slides/slide3.xml><?xml version="1.0" encoding="utf-8"?>
+<p:sld xmlns:a="http://schemas.openxmlformats.org/drawingml/2006/main" xmlns:r="http://schemas.openxmlformats.org/officeDocument/2006/relationships" xmlns:p="http://schemas.openxmlformats.org/presentationml/2006/main">
+  <p:cSld>
+    <p:bg>
+      <p:bgPr>
+        <a:blipFill dpi="0" rotWithShape="1">
+          <a:blip r:embed="rId3">
+            <a:lum/>
+          </a:blip>
+          <a:srcRect/>
+          <a:stretch>
+            <a:fillRect l="-23000" r="-23000"/>
+          </a:stretch>
+        </a:blipFill>
+        <a:effectLst/>
+      </p:bgPr>
+    </p:bg>
+    <p:spTree>
+      <p:nvGrpSpPr>
+        <p:cNvPr id="1" name=""/>
+        <p:cNvGrpSpPr/>
+        <p:nvPr/>
+      </p:nvGrpSpPr>
+      <p:grpSpPr>
+        <a:xfrm>
+          <a:off x="0" y="0"/>
+          <a:ext cx="0" cy="0"/>
+          <a:chOff x="0" y="0"/>
+          <a:chExt cx="0" cy="0"/>
+        </a:xfrm>
+      </p:grpSpPr>
+      <p:sp>
+        <p:nvSpPr>
+          <p:cNvPr id="2" name="Заголовок 1">
+            <a:extLst>
+              <a:ext uri="{FF2B5EF4-FFF2-40B4-BE49-F238E27FC236}">
+                <a16:creationId xmlns:a16="http://schemas.microsoft.com/office/drawing/2014/main" id="{FE230D01-4115-4A9E-B936-1D4FD42498CE}"/>
+              </a:ext>
+            </a:extLst>
+          </p:cNvPr>
+          <p:cNvSpPr>
+            <a:spLocks noGrp="1"/>
+          </p:cNvSpPr>
+          <p:nvPr>
+            <p:ph type="title"/>
+          </p:nvPr>
+        </p:nvSpPr>
+        <p:spPr>
+          <a:xfrm>
+            <a:off x="414617" y="365125"/>
+            <a:ext cx="10939183" cy="1325563"/>
+          </a:xfrm>
+        </p:spPr>
+        <p:txBody>
+          <a:bodyPr/>
+          <a:lstStyle/>
+          <a:p>
+            <a:r>
+              <a:rPr lang="en-US" b="1" dirty="0">
+                <a:effectLst>
+                  <a:outerShdw blurRad="38100" dist="38100" dir="2700000" algn="tl">
+                    <a:srgbClr val="000000">
+                      <a:alpha val="43137"/>
+                    </a:srgbClr>
+                  </a:outerShdw>
+                </a:effectLst>
+              </a:rPr>
+              <a:t>Flex container</a:t>
+            </a:r>
+          </a:p>
+        </p:txBody>
+      </p:sp>
+      <p:sp>
+        <p:nvSpPr>
+          <p:cNvPr id="4" name="Объект 3">
+            <a:extLst>
+              <a:ext uri="{FF2B5EF4-FFF2-40B4-BE49-F238E27FC236}">
+                <a16:creationId xmlns:a16="http://schemas.microsoft.com/office/drawing/2014/main" id="{F4EE9C21-E689-4F19-B85B-50EF8AA9D4FC}"/>
+              </a:ext>
+            </a:extLst>
+          </p:cNvPr>
+          <p:cNvSpPr>
+            <a:spLocks noGrp="1"/>
+          </p:cNvSpPr>
+          <p:nvPr>
+            <p:ph idx="1"/>
+          </p:nvPr>
+        </p:nvSpPr>
+        <p:spPr>
+          <a:xfrm>
+            <a:off x="838200" y="1825625"/>
+            <a:ext cx="10515600" cy="543454"/>
+          </a:xfrm>
+        </p:spPr>
+        <p:txBody>
+          <a:bodyPr/>
+          <a:lstStyle/>
+          <a:p>
+            <a:pPr marL="0" indent="0">
+              <a:buNone/>
+            </a:pPr>
+            <a:r>
+              <a:rPr lang="en-US" dirty="0"/>
+              <a:t>* display: flex 						* display: inline-flex</a:t>
+            </a:r>
+          </a:p>
+        </p:txBody>
+      </p:sp>
+      <p:pic>
+        <p:nvPicPr>
+          <p:cNvPr id="7" name="Рисунок 6">
+            <a:extLst>
+              <a:ext uri="{FF2B5EF4-FFF2-40B4-BE49-F238E27FC236}">
+                <a16:creationId xmlns:a16="http://schemas.microsoft.com/office/drawing/2014/main" id="{60B317E4-5EC2-4225-885F-D47113E83A21}"/>
+              </a:ext>
+            </a:extLst>
+          </p:cNvPr>
+          <p:cNvPicPr>
+            <a:picLocks noChangeAspect="1"/>
+          </p:cNvPicPr>
+          <p:nvPr/>
+        </p:nvPicPr>
+        <p:blipFill>
+          <a:blip r:embed="rId4">
+            <a:extLst>
+              <a:ext uri="{28A0092B-C50C-407E-A947-70E740481C1C}">
+                <a14:useLocalDpi xmlns:a14="http://schemas.microsoft.com/office/drawing/2010/main" val="0"/>
+              </a:ext>
+            </a:extLst>
+          </a:blip>
+          <a:stretch>
+            <a:fillRect/>
+          </a:stretch>
+        </p:blipFill>
+        <p:spPr>
+          <a:xfrm>
+            <a:off x="1387780" y="2369079"/>
+            <a:ext cx="8992855" cy="4382112"/>
+          </a:xfrm>
+          <a:prstGeom prst="rect">
+            <a:avLst/>
+          </a:prstGeom>
+        </p:spPr>
+      </p:pic>
+    </p:spTree>
+    <p:extLst>
+      <p:ext uri="{BB962C8B-B14F-4D97-AF65-F5344CB8AC3E}">
+        <p14:creationId xmlns:p14="http://schemas.microsoft.com/office/powerpoint/2010/main" val="3214646493"/>
+      </p:ext>
+    </p:extLst>
+  </p:cSld>
+  <p:clrMapOvr>
+    <a:masterClrMapping/>
+  </p:clrMapOvr>
+</p:sld>
+</file>
+
+<file path=ppt/slides/slide4.xml><?xml version="1.0" encoding="utf-8"?>
+<p:sld xmlns:a="http://schemas.openxmlformats.org/drawingml/2006/main" xmlns:r="http://schemas.openxmlformats.org/officeDocument/2006/relationships" xmlns:p="http://schemas.openxmlformats.org/presentationml/2006/main">
+  <p:cSld>
+    <p:bg>
+      <p:bgPr>
+        <a:blipFill dpi="0" rotWithShape="1">
+          <a:blip r:embed="rId3">
+            <a:lum/>
+          </a:blip>
+          <a:srcRect/>
+          <a:stretch>
+            <a:fillRect l="-23000" r="-23000"/>
+          </a:stretch>
+        </a:blipFill>
+        <a:effectLst/>
+      </p:bgPr>
+    </p:bg>
+    <p:spTree>
+      <p:nvGrpSpPr>
+        <p:cNvPr id="1" name=""/>
+        <p:cNvGrpSpPr/>
+        <p:nvPr/>
+      </p:nvGrpSpPr>
+      <p:grpSpPr>
+        <a:xfrm>
+          <a:off x="0" y="0"/>
+          <a:ext cx="0" cy="0"/>
+          <a:chOff x="0" y="0"/>
+          <a:chExt cx="0" cy="0"/>
+        </a:xfrm>
+      </p:grpSpPr>
+      <p:sp>
+        <p:nvSpPr>
+          <p:cNvPr id="2" name="Заголовок 1">
+            <a:extLst>
+              <a:ext uri="{FF2B5EF4-FFF2-40B4-BE49-F238E27FC236}">
+                <a16:creationId xmlns:a16="http://schemas.microsoft.com/office/drawing/2014/main" id="{FE230D01-4115-4A9E-B936-1D4FD42498CE}"/>
+              </a:ext>
+            </a:extLst>
+          </p:cNvPr>
+          <p:cNvSpPr>
+            <a:spLocks noGrp="1"/>
+          </p:cNvSpPr>
+          <p:nvPr>
+            <p:ph type="title"/>
+          </p:nvPr>
+        </p:nvSpPr>
+        <p:spPr>
+          <a:xfrm>
+            <a:off x="414617" y="365125"/>
+            <a:ext cx="11303250" cy="1325563"/>
+          </a:xfrm>
+        </p:spPr>
+        <p:txBody>
+          <a:bodyPr/>
+          <a:lstStyle/>
+          <a:p>
+            <a:r>
+              <a:rPr lang="en-US" b="1" dirty="0">
+                <a:effectLst>
+                  <a:outerShdw blurRad="38100" dist="38100" dir="2700000" algn="tl">
+                    <a:srgbClr val="000000">
+                      <a:alpha val="43137"/>
+                    </a:srgbClr>
+                  </a:outerShdw>
+                </a:effectLst>
+              </a:rPr>
+              <a:t>Flex direction</a:t>
+            </a:r>
+          </a:p>
+        </p:txBody>
+      </p:sp>
+      <p:sp>
+        <p:nvSpPr>
+          <p:cNvPr id="8" name="Объект 7">
+            <a:extLst>
+              <a:ext uri="{FF2B5EF4-FFF2-40B4-BE49-F238E27FC236}">
+                <a16:creationId xmlns:a16="http://schemas.microsoft.com/office/drawing/2014/main" id="{92AED12A-354F-49ED-9AFA-C09BDD3743E9}"/>
+              </a:ext>
+            </a:extLst>
+          </p:cNvPr>
+          <p:cNvSpPr>
+            <a:spLocks noGrp="1"/>
+          </p:cNvSpPr>
+          <p:nvPr>
+            <p:ph idx="1"/>
+          </p:nvPr>
+        </p:nvSpPr>
+        <p:spPr/>
+        <p:txBody>
+          <a:bodyPr/>
+          <a:lstStyle/>
+          <a:p>
+            <a:r>
+              <a:rPr lang="en-US" dirty="0"/>
+              <a:t>flex-direction: row;</a:t>
+            </a:r>
+          </a:p>
+          <a:p>
+            <a:r>
+              <a:rPr lang="en-US" dirty="0"/>
+              <a:t>flex-direction: row-reverse;</a:t>
+            </a:r>
+          </a:p>
+          <a:p>
+            <a:r>
+              <a:rPr lang="en-US" dirty="0"/>
+              <a:t>flex-direction: column;</a:t>
+            </a:r>
+          </a:p>
+          <a:p>
+            <a:r>
+              <a:rPr lang="en-US" dirty="0"/>
+              <a:t>flex-direction: column-reverse;</a:t>
+            </a:r>
+          </a:p>
+        </p:txBody>
+      </p:sp>
+      <p:pic>
+        <p:nvPicPr>
+          <p:cNvPr id="9" name="Объект 4">
+            <a:extLst>
+              <a:ext uri="{FF2B5EF4-FFF2-40B4-BE49-F238E27FC236}">
+                <a16:creationId xmlns:a16="http://schemas.microsoft.com/office/drawing/2014/main" id="{D2EDDA37-EA3F-45B3-9F18-B310DB18BF50}"/>
+              </a:ext>
+            </a:extLst>
+          </p:cNvPr>
+          <p:cNvPicPr>
+            <a:picLocks noChangeAspect="1"/>
+          </p:cNvPicPr>
+          <p:nvPr/>
+        </p:nvPicPr>
+        <p:blipFill>
+          <a:blip r:embed="rId4">
+            <a:extLst>
+              <a:ext uri="{28A0092B-C50C-407E-A947-70E740481C1C}">
+                <a14:useLocalDpi xmlns:a14="http://schemas.microsoft.com/office/drawing/2010/main" val="0"/>
+              </a:ext>
+            </a:extLst>
+          </a:blip>
+          <a:stretch>
+            <a:fillRect/>
+          </a:stretch>
+        </p:blipFill>
+        <p:spPr>
+          <a:xfrm>
+            <a:off x="5858934" y="1690688"/>
+            <a:ext cx="5858933" cy="2690507"/>
+          </a:xfrm>
+          <a:prstGeom prst="rect">
+            <a:avLst/>
+          </a:prstGeom>
+        </p:spPr>
+      </p:pic>
+    </p:spTree>
+    <p:extLst>
+      <p:ext uri="{BB962C8B-B14F-4D97-AF65-F5344CB8AC3E}">
+        <p14:creationId xmlns:p14="http://schemas.microsoft.com/office/powerpoint/2010/main" val="1853720487"/>
+      </p:ext>
+    </p:extLst>
+  </p:cSld>
+  <p:clrMapOvr>
+    <a:masterClrMapping/>
+  </p:clrMapOvr>
+</p:sld>
+</file>
+
+<file path=ppt/slides/slide5.xml><?xml version="1.0" encoding="utf-8"?>
+<p:sld xmlns:a="http://schemas.openxmlformats.org/drawingml/2006/main" xmlns:r="http://schemas.openxmlformats.org/officeDocument/2006/relationships" xmlns:p="http://schemas.openxmlformats.org/presentationml/2006/main">
+  <p:cSld>
+    <p:bg>
+      <p:bgPr>
+        <a:blipFill dpi="0" rotWithShape="1">
+          <a:blip r:embed="rId3">
+            <a:lum/>
+          </a:blip>
+          <a:srcRect/>
+          <a:stretch>
+            <a:fillRect l="-23000" r="-23000"/>
+          </a:stretch>
+        </a:blipFill>
+        <a:effectLst/>
+      </p:bgPr>
+    </p:bg>
+    <p:spTree>
+      <p:nvGrpSpPr>
+        <p:cNvPr id="1" name=""/>
+        <p:cNvGrpSpPr/>
+        <p:nvPr/>
+      </p:nvGrpSpPr>
+      <p:grpSpPr>
+        <a:xfrm>
+          <a:off x="0" y="0"/>
+          <a:ext cx="0" cy="0"/>
+          <a:chOff x="0" y="0"/>
+          <a:chExt cx="0" cy="0"/>
+        </a:xfrm>
+      </p:grpSpPr>
+      <p:sp>
+        <p:nvSpPr>
+          <p:cNvPr id="2" name="Заголовок 1">
+            <a:extLst>
+              <a:ext uri="{FF2B5EF4-FFF2-40B4-BE49-F238E27FC236}">
+                <a16:creationId xmlns:a16="http://schemas.microsoft.com/office/drawing/2014/main" id="{FE230D01-4115-4A9E-B936-1D4FD42498CE}"/>
+              </a:ext>
+            </a:extLst>
+          </p:cNvPr>
+          <p:cNvSpPr>
+            <a:spLocks noGrp="1"/>
+          </p:cNvSpPr>
+          <p:nvPr>
+            <p:ph type="title"/>
+          </p:nvPr>
+        </p:nvSpPr>
+        <p:spPr>
+          <a:xfrm>
+            <a:off x="414617" y="365125"/>
+            <a:ext cx="11303250" cy="1325563"/>
+          </a:xfrm>
+        </p:spPr>
+        <p:txBody>
+          <a:bodyPr/>
+          <a:lstStyle/>
+          <a:p>
+            <a:r>
+              <a:rPr lang="en-US" b="1" dirty="0">
+                <a:effectLst>
+                  <a:outerShdw blurRad="38100" dist="38100" dir="2700000" algn="tl">
+                    <a:srgbClr val="000000">
+                      <a:alpha val="43137"/>
+                    </a:srgbClr>
+                  </a:outerShdw>
+                </a:effectLst>
+              </a:rPr>
+              <a:t>Flex wrap</a:t>
+            </a:r>
+          </a:p>
+        </p:txBody>
+      </p:sp>
+      <p:sp>
+        <p:nvSpPr>
+          <p:cNvPr id="4" name="Объект 3">
+            <a:extLst>
+              <a:ext uri="{FF2B5EF4-FFF2-40B4-BE49-F238E27FC236}">
+                <a16:creationId xmlns:a16="http://schemas.microsoft.com/office/drawing/2014/main" id="{F4EE9C21-E689-4F19-B85B-50EF8AA9D4FC}"/>
+              </a:ext>
+            </a:extLst>
+          </p:cNvPr>
+          <p:cNvSpPr>
+            <a:spLocks noGrp="1"/>
+          </p:cNvSpPr>
+          <p:nvPr>
+            <p:ph idx="1"/>
+          </p:nvPr>
+        </p:nvSpPr>
+        <p:spPr>
+          <a:xfrm>
+            <a:off x="414617" y="1825625"/>
+            <a:ext cx="11303250" cy="4667250"/>
+          </a:xfrm>
+        </p:spPr>
+        <p:txBody>
+          <a:bodyPr/>
+          <a:lstStyle/>
+          <a:p>
+            <a:pPr marL="0" indent="0">
+              <a:buNone/>
+            </a:pPr>
+            <a:r>
+              <a:rPr lang="en-US" dirty="0"/>
+              <a:t>flex-wrap: wrap;</a:t>
+            </a:r>
+          </a:p>
+          <a:p>
+            <a:pPr marL="0" indent="0">
+              <a:buNone/>
+            </a:pPr>
+            <a:r>
+              <a:rPr lang="en-US" dirty="0"/>
+              <a:t>flex-wrap: </a:t>
+            </a:r>
+            <a:r>
+              <a:rPr lang="en-US" dirty="0" err="1"/>
+              <a:t>nowrap</a:t>
+            </a:r>
+            <a:r>
+              <a:rPr lang="en-US" dirty="0"/>
+              <a:t>;</a:t>
+            </a:r>
+          </a:p>
+          <a:p>
+            <a:pPr marL="0" indent="0">
+              <a:buNone/>
+            </a:pPr>
+            <a:r>
+              <a:rPr lang="en-US" dirty="0"/>
+              <a:t>flex-wrap: wrap-reverse;</a:t>
+            </a:r>
+          </a:p>
+          <a:p>
+            <a:pPr marL="0" indent="0">
+              <a:buNone/>
+            </a:pPr>
+            <a:endParaRPr lang="en-US" dirty="0"/>
+          </a:p>
+          <a:p>
+            <a:pPr marL="0" indent="0">
+              <a:buNone/>
+            </a:pPr>
+            <a:endParaRPr lang="en-US" dirty="0"/>
+          </a:p>
+          <a:p>
+            <a:pPr marL="0" indent="0">
+              <a:buNone/>
+            </a:pPr>
+            <a:endParaRPr lang="en-US" dirty="0"/>
+          </a:p>
+          <a:p>
+            <a:pPr marL="0" indent="0">
+              <a:buNone/>
+            </a:pPr>
+            <a:r>
+              <a:rPr lang="en-US" dirty="0"/>
+              <a:t>flex-flow: row wrap;</a:t>
+            </a:r>
+          </a:p>
+          <a:p>
+            <a:pPr marL="0" indent="0">
+              <a:buNone/>
+            </a:pPr>
+            <a:r>
+              <a:rPr lang="en-US" dirty="0"/>
+              <a:t>flex-flow: column wrap-reverse;</a:t>
+            </a:r>
+          </a:p>
+        </p:txBody>
+      </p:sp>
+      <p:pic>
+        <p:nvPicPr>
+          <p:cNvPr id="5" name="Рисунок 4">
+            <a:extLst>
+              <a:ext uri="{FF2B5EF4-FFF2-40B4-BE49-F238E27FC236}">
+                <a16:creationId xmlns:a16="http://schemas.microsoft.com/office/drawing/2014/main" id="{0DF7D75D-60A7-4CEE-A497-55117AA3FD33}"/>
+              </a:ext>
+            </a:extLst>
+          </p:cNvPr>
+          <p:cNvPicPr>
+            <a:picLocks noChangeAspect="1"/>
+          </p:cNvPicPr>
+          <p:nvPr/>
+        </p:nvPicPr>
+        <p:blipFill>
+          <a:blip r:embed="rId4">
+            <a:extLst>
+              <a:ext uri="{28A0092B-C50C-407E-A947-70E740481C1C}">
+                <a14:useLocalDpi xmlns:a14="http://schemas.microsoft.com/office/drawing/2010/main" val="0"/>
+              </a:ext>
+            </a:extLst>
+          </a:blip>
+          <a:stretch>
+            <a:fillRect/>
+          </a:stretch>
+        </p:blipFill>
+        <p:spPr>
+          <a:xfrm>
+            <a:off x="6439606" y="1825625"/>
+            <a:ext cx="5041194" cy="4431021"/>
+          </a:xfrm>
+          <a:prstGeom prst="rect">
+            <a:avLst/>
+          </a:prstGeom>
+        </p:spPr>
+      </p:pic>
+    </p:spTree>
+    <p:extLst>
+      <p:ext uri="{BB962C8B-B14F-4D97-AF65-F5344CB8AC3E}">
+        <p14:creationId xmlns:p14="http://schemas.microsoft.com/office/powerpoint/2010/main" val="95854844"/>
+      </p:ext>
+    </p:extLst>
+  </p:cSld>
+  <p:clrMapOvr>
+    <a:masterClrMapping/>
+  </p:clrMapOvr>
+</p:sld>
+</file>
+
+<file path=ppt/slides/slide6.xml><?xml version="1.0" encoding="utf-8"?>
+<p:sld xmlns:a="http://schemas.openxmlformats.org/drawingml/2006/main" xmlns:r="http://schemas.openxmlformats.org/officeDocument/2006/relationships" xmlns:p="http://schemas.openxmlformats.org/presentationml/2006/main">
+  <p:cSld>
+    <p:bg>
+      <p:bgPr>
+        <a:blipFill dpi="0" rotWithShape="1">
+          <a:blip r:embed="rId3">
+            <a:lum/>
+          </a:blip>
+          <a:srcRect/>
+          <a:stretch>
+            <a:fillRect l="-23000" r="-23000"/>
+          </a:stretch>
+        </a:blipFill>
+        <a:effectLst/>
+      </p:bgPr>
+    </p:bg>
+    <p:spTree>
+      <p:nvGrpSpPr>
+        <p:cNvPr id="1" name=""/>
+        <p:cNvGrpSpPr/>
+        <p:nvPr/>
+      </p:nvGrpSpPr>
+      <p:grpSpPr>
+        <a:xfrm>
+          <a:off x="0" y="0"/>
+          <a:ext cx="0" cy="0"/>
+          <a:chOff x="0" y="0"/>
+          <a:chExt cx="0" cy="0"/>
+        </a:xfrm>
+      </p:grpSpPr>
+      <p:sp>
+        <p:nvSpPr>
+          <p:cNvPr id="2" name="Заголовок 1">
+            <a:extLst>
+              <a:ext uri="{FF2B5EF4-FFF2-40B4-BE49-F238E27FC236}">
+                <a16:creationId xmlns:a16="http://schemas.microsoft.com/office/drawing/2014/main" id="{FE230D01-4115-4A9E-B936-1D4FD42498CE}"/>
+              </a:ext>
+            </a:extLst>
+          </p:cNvPr>
+          <p:cNvSpPr>
+            <a:spLocks noGrp="1"/>
+          </p:cNvSpPr>
+          <p:nvPr>
+            <p:ph type="title"/>
+          </p:nvPr>
+        </p:nvSpPr>
+        <p:spPr>
+          <a:xfrm>
+            <a:off x="414617" y="365125"/>
+            <a:ext cx="11303250" cy="1325563"/>
+          </a:xfrm>
+        </p:spPr>
+        <p:txBody>
+          <a:bodyPr/>
+          <a:lstStyle/>
+          <a:p>
+            <a:r>
+              <a:rPr lang="en-US" b="1" dirty="0">
+                <a:effectLst>
+                  <a:outerShdw blurRad="38100" dist="38100" dir="2700000" algn="tl">
+                    <a:srgbClr val="000000">
+                      <a:alpha val="43137"/>
+                    </a:srgbClr>
+                  </a:outerShdw>
+                </a:effectLst>
+              </a:rPr>
+              <a:t>justify-content</a:t>
+            </a:r>
+          </a:p>
+        </p:txBody>
+      </p:sp>
+      <p:sp>
+        <p:nvSpPr>
+          <p:cNvPr id="4" name="Объект 3">
+            <a:extLst>
+              <a:ext uri="{FF2B5EF4-FFF2-40B4-BE49-F238E27FC236}">
+                <a16:creationId xmlns:a16="http://schemas.microsoft.com/office/drawing/2014/main" id="{F4EE9C21-E689-4F19-B85B-50EF8AA9D4FC}"/>
+              </a:ext>
+            </a:extLst>
+          </p:cNvPr>
+          <p:cNvSpPr>
+            <a:spLocks noGrp="1"/>
+          </p:cNvSpPr>
+          <p:nvPr>
+            <p:ph idx="1"/>
+          </p:nvPr>
+        </p:nvSpPr>
+        <p:spPr>
+          <a:xfrm>
+            <a:off x="414617" y="1825625"/>
+            <a:ext cx="4541205" cy="4667250"/>
+          </a:xfrm>
+        </p:spPr>
+        <p:txBody>
+          <a:bodyPr>
+            <a:normAutofit/>
+          </a:bodyPr>
+          <a:lstStyle/>
+          <a:p>
+            <a:r>
+              <a:rPr lang="en-US" sz="1500" b="1" dirty="0"/>
+              <a:t>justify-content</a:t>
+            </a:r>
+            <a:r>
+              <a:rPr lang="en-US" sz="1500" dirty="0"/>
+              <a:t> - </a:t>
+            </a:r>
+            <a:r>
+              <a:rPr lang="hy-AM" sz="1500" dirty="0"/>
+              <a:t>Սահմանում է, թե ինչպես պետք է տարրերը տարածվեն գլխավոր առանցքի ուղղությամբ (հորիզոնական, եթե </a:t>
+            </a:r>
+            <a:r>
+              <a:rPr lang="en-US" sz="1500" b="1" dirty="0"/>
+              <a:t>row</a:t>
+            </a:r>
+            <a:r>
+              <a:rPr lang="en-US" sz="1500" dirty="0"/>
+              <a:t>, </a:t>
+            </a:r>
+            <a:r>
+              <a:rPr lang="hy-AM" sz="1500" dirty="0"/>
+              <a:t>կամ ուղղահայաց, եթե </a:t>
+            </a:r>
+            <a:r>
+              <a:rPr lang="en-US" sz="1500" b="1" dirty="0"/>
+              <a:t>column</a:t>
+            </a:r>
+            <a:r>
+              <a:rPr lang="en-US" sz="1500" dirty="0"/>
+              <a:t>):</a:t>
+            </a:r>
+          </a:p>
+          <a:p>
+            <a:r>
+              <a:rPr lang="en-US" sz="1500" b="1" dirty="0"/>
+              <a:t>flex-start:</a:t>
+            </a:r>
+            <a:r>
+              <a:rPr lang="en-US" sz="1500" dirty="0"/>
+              <a:t> </a:t>
+            </a:r>
+            <a:r>
+              <a:rPr lang="hy-AM" sz="1500" dirty="0"/>
+              <a:t>Տարրերը դասավորվում են սկիզբից:</a:t>
+            </a:r>
+          </a:p>
+          <a:p>
+            <a:r>
+              <a:rPr lang="en-US" sz="1500" b="1" dirty="0"/>
+              <a:t>flex-end:</a:t>
+            </a:r>
+            <a:r>
+              <a:rPr lang="en-US" sz="1500" dirty="0"/>
+              <a:t> </a:t>
+            </a:r>
+            <a:r>
+              <a:rPr lang="hy-AM" sz="1500" dirty="0"/>
+              <a:t>Տարրերը դասավորվում են վերջից:</a:t>
+            </a:r>
+          </a:p>
+          <a:p>
+            <a:r>
+              <a:rPr lang="en-US" sz="1500" b="1" dirty="0"/>
+              <a:t>center:</a:t>
+            </a:r>
+            <a:r>
+              <a:rPr lang="en-US" sz="1500" dirty="0"/>
+              <a:t> </a:t>
+            </a:r>
+            <a:r>
+              <a:rPr lang="hy-AM" sz="1500" dirty="0"/>
+              <a:t>Տարրերը դասավորվում են կենտրոնում:</a:t>
+            </a:r>
+          </a:p>
+          <a:p>
+            <a:r>
+              <a:rPr lang="en-US" sz="1500" b="1" dirty="0"/>
+              <a:t>space-between:</a:t>
+            </a:r>
+            <a:r>
+              <a:rPr lang="en-US" sz="1500" dirty="0"/>
+              <a:t> </a:t>
+            </a:r>
+            <a:r>
+              <a:rPr lang="hy-AM" sz="1500" dirty="0"/>
+              <a:t>Տարրերի միջև հավասար տարածություն է սահմանվում, իսկ առաջին և վերջին տարրերը տեղակայվում են եզրերի մոտ:</a:t>
+            </a:r>
+          </a:p>
+          <a:p>
+            <a:r>
+              <a:rPr lang="en-US" sz="1500" b="1" dirty="0"/>
+              <a:t>space-around:</a:t>
+            </a:r>
+            <a:r>
+              <a:rPr lang="en-US" sz="1500" dirty="0"/>
+              <a:t> </a:t>
+            </a:r>
+            <a:r>
+              <a:rPr lang="hy-AM" sz="1500" dirty="0"/>
+              <a:t>Տարրերի միջև հավասար տարածություն է սահմանվում, իսկ եզրերի միջև՝ սահմանվում տարածության կեսը:</a:t>
+            </a:r>
+          </a:p>
+          <a:p>
+            <a:r>
+              <a:rPr lang="en-US" sz="1500" b="1" dirty="0"/>
+              <a:t>space-evenly:</a:t>
+            </a:r>
+            <a:r>
+              <a:rPr lang="en-US" sz="1500" dirty="0"/>
+              <a:t> </a:t>
+            </a:r>
+            <a:r>
+              <a:rPr lang="hy-AM" sz="1500" dirty="0"/>
+              <a:t>Տարրերի միջև հավասար տարածություն է սահմանվում, ներառյալ նաև եզրերը:</a:t>
+            </a:r>
+          </a:p>
+        </p:txBody>
+      </p:sp>
+      <p:pic>
+        <p:nvPicPr>
+          <p:cNvPr id="5" name="Рисунок 4">
+            <a:extLst>
+              <a:ext uri="{FF2B5EF4-FFF2-40B4-BE49-F238E27FC236}">
+                <a16:creationId xmlns:a16="http://schemas.microsoft.com/office/drawing/2014/main" id="{1224D8C2-7B8B-41F7-927C-E69487999B59}"/>
+              </a:ext>
+            </a:extLst>
+          </p:cNvPr>
+          <p:cNvPicPr>
+            <a:picLocks noChangeAspect="1"/>
+          </p:cNvPicPr>
+          <p:nvPr/>
+        </p:nvPicPr>
+        <p:blipFill>
+          <a:blip r:embed="rId4">
+            <a:extLst>
+              <a:ext uri="{28A0092B-C50C-407E-A947-70E740481C1C}">
+                <a14:useLocalDpi xmlns:a14="http://schemas.microsoft.com/office/drawing/2010/main" val="0"/>
+              </a:ext>
+            </a:extLst>
+          </a:blip>
+          <a:stretch>
+            <a:fillRect/>
+          </a:stretch>
+        </p:blipFill>
+        <p:spPr>
+          <a:xfrm>
+            <a:off x="7081309" y="266700"/>
+            <a:ext cx="4057650" cy="6324600"/>
+          </a:xfrm>
+          <a:prstGeom prst="rect">
+            <a:avLst/>
+          </a:prstGeom>
+        </p:spPr>
+      </p:pic>
+    </p:spTree>
+    <p:extLst>
+      <p:ext uri="{BB962C8B-B14F-4D97-AF65-F5344CB8AC3E}">
+        <p14:creationId xmlns:p14="http://schemas.microsoft.com/office/powerpoint/2010/main" val="237993985"/>
+      </p:ext>
+    </p:extLst>
+  </p:cSld>
+  <p:clrMapOvr>
+    <a:masterClrMapping/>
+  </p:clrMapOvr>
+</p:sld>
+</file>
+
+<file path=ppt/slides/slide7.xml><?xml version="1.0" encoding="utf-8"?>
+<p:sld xmlns:a="http://schemas.openxmlformats.org/drawingml/2006/main" xmlns:r="http://schemas.openxmlformats.org/officeDocument/2006/relationships" xmlns:p="http://schemas.openxmlformats.org/presentationml/2006/main">
+  <p:cSld>
+    <p:bg>
+      <p:bgPr>
+        <a:blipFill dpi="0" rotWithShape="1">
+          <a:blip r:embed="rId3">
+            <a:lum/>
+          </a:blip>
+          <a:srcRect/>
+          <a:stretch>
+            <a:fillRect l="-23000" r="-23000"/>
+          </a:stretch>
+        </a:blipFill>
+        <a:effectLst/>
+      </p:bgPr>
+    </p:bg>
+    <p:spTree>
+      <p:nvGrpSpPr>
+        <p:cNvPr id="1" name=""/>
+        <p:cNvGrpSpPr/>
+        <p:nvPr/>
+      </p:nvGrpSpPr>
+      <p:grpSpPr>
+        <a:xfrm>
+          <a:off x="0" y="0"/>
+          <a:ext cx="0" cy="0"/>
+          <a:chOff x="0" y="0"/>
+          <a:chExt cx="0" cy="0"/>
+        </a:xfrm>
+      </p:grpSpPr>
+      <p:sp>
+        <p:nvSpPr>
+          <p:cNvPr id="2" name="Заголовок 1">
+            <a:extLst>
+              <a:ext uri="{FF2B5EF4-FFF2-40B4-BE49-F238E27FC236}">
+                <a16:creationId xmlns:a16="http://schemas.microsoft.com/office/drawing/2014/main" id="{FE230D01-4115-4A9E-B936-1D4FD42498CE}"/>
+              </a:ext>
+            </a:extLst>
+          </p:cNvPr>
+          <p:cNvSpPr>
+            <a:spLocks noGrp="1"/>
+          </p:cNvSpPr>
+          <p:nvPr>
+            <p:ph type="title"/>
+          </p:nvPr>
+        </p:nvSpPr>
+        <p:spPr>
+          <a:xfrm>
+            <a:off x="414617" y="365125"/>
+            <a:ext cx="11303250" cy="1325563"/>
+          </a:xfrm>
+        </p:spPr>
+        <p:txBody>
+          <a:bodyPr/>
+          <a:lstStyle/>
+          <a:p>
+            <a:r>
+              <a:rPr lang="en-US" b="1" dirty="0">
+                <a:effectLst>
+                  <a:outerShdw blurRad="38100" dist="38100" dir="2700000" algn="tl">
+                    <a:srgbClr val="000000">
+                      <a:alpha val="43137"/>
+                    </a:srgbClr>
+                  </a:outerShdw>
+                </a:effectLst>
+              </a:rPr>
+              <a:t>align-items</a:t>
+            </a:r>
+          </a:p>
+        </p:txBody>
+      </p:sp>
+      <p:sp>
+        <p:nvSpPr>
+          <p:cNvPr id="4" name="Объект 3">
+            <a:extLst>
+              <a:ext uri="{FF2B5EF4-FFF2-40B4-BE49-F238E27FC236}">
+                <a16:creationId xmlns:a16="http://schemas.microsoft.com/office/drawing/2014/main" id="{F4EE9C21-E689-4F19-B85B-50EF8AA9D4FC}"/>
+              </a:ext>
+            </a:extLst>
+          </p:cNvPr>
+          <p:cNvSpPr>
+            <a:spLocks noGrp="1"/>
+          </p:cNvSpPr>
+          <p:nvPr>
+            <p:ph idx="1"/>
+          </p:nvPr>
+        </p:nvSpPr>
+        <p:spPr>
+          <a:xfrm>
+            <a:off x="414617" y="1825625"/>
+            <a:ext cx="4541205" cy="4667250"/>
+          </a:xfrm>
+        </p:spPr>
+        <p:txBody>
+          <a:bodyPr>
+            <a:normAutofit/>
+          </a:bodyPr>
+          <a:lstStyle/>
+          <a:p>
+            <a:r>
+              <a:rPr lang="en-US" sz="1800" b="1" dirty="0"/>
+              <a:t>align-items</a:t>
+            </a:r>
+            <a:r>
+              <a:rPr lang="en-US" sz="1800" dirty="0"/>
+              <a:t> - </a:t>
+            </a:r>
+            <a:r>
+              <a:rPr lang="hy-AM" sz="1800" dirty="0"/>
+              <a:t>Սահմանում է, թե ինչպես պետք է տարրերը տարածվեն գլխավոր առանցքի ուղղությամբ (հորիզոնական, եթե </a:t>
+            </a:r>
+            <a:r>
+              <a:rPr lang="en-US" sz="1800" b="1" dirty="0"/>
+              <a:t>column</a:t>
+            </a:r>
+            <a:r>
+              <a:rPr lang="en-US" sz="1800" dirty="0"/>
+              <a:t>, </a:t>
+            </a:r>
+            <a:r>
+              <a:rPr lang="hy-AM" sz="1800" dirty="0"/>
+              <a:t>կամ ուղղահայաց, եթե </a:t>
+            </a:r>
+            <a:r>
+              <a:rPr lang="en-US" sz="1800" b="1" dirty="0"/>
+              <a:t>row</a:t>
+            </a:r>
+            <a:r>
+              <a:rPr lang="en-US" sz="1800" dirty="0"/>
+              <a:t>): stretch by default</a:t>
+            </a:r>
+          </a:p>
+          <a:p>
+            <a:r>
+              <a:rPr lang="en-US" sz="1800" b="1" dirty="0"/>
+              <a:t>flex-start:</a:t>
+            </a:r>
+            <a:r>
+              <a:rPr lang="en-US" sz="1800" dirty="0"/>
+              <a:t> </a:t>
+            </a:r>
+            <a:r>
+              <a:rPr lang="hy-AM" sz="1800" dirty="0"/>
+              <a:t>Տարրերը դասավորվում են վերևում:</a:t>
+            </a:r>
+          </a:p>
+          <a:p>
+            <a:r>
+              <a:rPr lang="en-US" sz="1800" b="1" dirty="0"/>
+              <a:t>flex-end:</a:t>
+            </a:r>
+            <a:r>
+              <a:rPr lang="en-US" sz="1800" dirty="0"/>
+              <a:t> </a:t>
+            </a:r>
+            <a:r>
+              <a:rPr lang="hy-AM" sz="1800" dirty="0"/>
+              <a:t>Տարրերը դասավորվում են ներքևում:</a:t>
+            </a:r>
+          </a:p>
+          <a:p>
+            <a:r>
+              <a:rPr lang="en-US" sz="1800" b="1" dirty="0"/>
+              <a:t>center:</a:t>
+            </a:r>
+            <a:r>
+              <a:rPr lang="en-US" sz="1800" dirty="0"/>
+              <a:t> </a:t>
+            </a:r>
+            <a:r>
+              <a:rPr lang="hy-AM" sz="1800" dirty="0"/>
+              <a:t>Տարրերը դասավորվում են կենտրոնում:</a:t>
+            </a:r>
+          </a:p>
+          <a:p>
+            <a:r>
+              <a:rPr lang="en-US" sz="1800" b="1" dirty="0"/>
+              <a:t>stretch:</a:t>
+            </a:r>
+            <a:r>
+              <a:rPr lang="en-US" sz="1800" dirty="0"/>
+              <a:t> </a:t>
+            </a:r>
+            <a:r>
+              <a:rPr lang="hy-AM" sz="1800" dirty="0"/>
+              <a:t>Տարրերը զբաղեցնում են ողջ հասանելի բարձրությունը:</a:t>
+            </a:r>
+          </a:p>
+          <a:p>
+            <a:r>
+              <a:rPr lang="en-US" sz="1800" b="1" dirty="0"/>
+              <a:t>baseline:</a:t>
+            </a:r>
+            <a:r>
+              <a:rPr lang="en-US" sz="1800" dirty="0"/>
+              <a:t> </a:t>
+            </a:r>
+            <a:r>
+              <a:rPr lang="hy-AM" sz="1800" dirty="0"/>
+              <a:t>Տարրերը դասավորվում են ըստ բազային դիրքի:</a:t>
+            </a:r>
+          </a:p>
+        </p:txBody>
+      </p:sp>
+      <p:pic>
+        <p:nvPicPr>
+          <p:cNvPr id="6" name="Рисунок 5">
+            <a:extLst>
+              <a:ext uri="{FF2B5EF4-FFF2-40B4-BE49-F238E27FC236}">
+                <a16:creationId xmlns:a16="http://schemas.microsoft.com/office/drawing/2014/main" id="{A3A24BB2-A120-4D7C-AF59-46147DF76FC7}"/>
+              </a:ext>
+            </a:extLst>
+          </p:cNvPr>
+          <p:cNvPicPr>
+            <a:picLocks noChangeAspect="1"/>
+          </p:cNvPicPr>
+          <p:nvPr/>
+        </p:nvPicPr>
+        <p:blipFill>
+          <a:blip r:embed="rId4">
+            <a:extLst>
+              <a:ext uri="{28A0092B-C50C-407E-A947-70E740481C1C}">
+                <a14:useLocalDpi xmlns:a14="http://schemas.microsoft.com/office/drawing/2010/main" val="0"/>
+              </a:ext>
+            </a:extLst>
+          </a:blip>
+          <a:stretch>
+            <a:fillRect/>
+          </a:stretch>
+        </p:blipFill>
+        <p:spPr>
+          <a:xfrm>
+            <a:off x="5881511" y="843186"/>
+            <a:ext cx="6096000" cy="5845480"/>
+          </a:xfrm>
+          <a:prstGeom prst="rect">
+            <a:avLst/>
+          </a:prstGeom>
+        </p:spPr>
+      </p:pic>
+    </p:spTree>
+    <p:extLst>
+      <p:ext uri="{BB962C8B-B14F-4D97-AF65-F5344CB8AC3E}">
+        <p14:creationId xmlns:p14="http://schemas.microsoft.com/office/powerpoint/2010/main" val="1787004918"/>
+      </p:ext>
+    </p:extLst>
+  </p:cSld>
+  <p:clrMapOvr>
+    <a:masterClrMapping/>
+  </p:clrMapOvr>
+</p:sld>
+</file>
+
+<file path=ppt/slides/slide8.xml><?xml version="1.0" encoding="utf-8"?>
+<p:sld xmlns:a="http://schemas.openxmlformats.org/drawingml/2006/main" xmlns:r="http://schemas.openxmlformats.org/officeDocument/2006/relationships" xmlns:p="http://schemas.openxmlformats.org/presentationml/2006/main">
+  <p:cSld>
+    <p:bg>
+      <p:bgPr>
+        <a:blipFill dpi="0" rotWithShape="1">
+          <a:blip r:embed="rId3">
+            <a:lum/>
+          </a:blip>
+          <a:srcRect/>
+          <a:stretch>
+            <a:fillRect l="-23000" r="-23000"/>
+          </a:stretch>
+        </a:blipFill>
+        <a:effectLst/>
+      </p:bgPr>
+    </p:bg>
+    <p:spTree>
+      <p:nvGrpSpPr>
+        <p:cNvPr id="1" name=""/>
+        <p:cNvGrpSpPr/>
+        <p:nvPr/>
+      </p:nvGrpSpPr>
+      <p:grpSpPr>
+        <a:xfrm>
+          <a:off x="0" y="0"/>
+          <a:ext cx="0" cy="0"/>
+          <a:chOff x="0" y="0"/>
+          <a:chExt cx="0" cy="0"/>
+        </a:xfrm>
+      </p:grpSpPr>
+      <p:sp>
+        <p:nvSpPr>
+          <p:cNvPr id="2" name="Заголовок 1">
+            <a:extLst>
+              <a:ext uri="{FF2B5EF4-FFF2-40B4-BE49-F238E27FC236}">
+                <a16:creationId xmlns:a16="http://schemas.microsoft.com/office/drawing/2014/main" id="{FE230D01-4115-4A9E-B936-1D4FD42498CE}"/>
+              </a:ext>
+            </a:extLst>
+          </p:cNvPr>
+          <p:cNvSpPr>
+            <a:spLocks noGrp="1"/>
+          </p:cNvSpPr>
+          <p:nvPr>
+            <p:ph type="title"/>
+          </p:nvPr>
+        </p:nvSpPr>
+        <p:spPr>
+          <a:xfrm>
+            <a:off x="414617" y="365125"/>
+            <a:ext cx="11303250" cy="1325563"/>
+          </a:xfrm>
+        </p:spPr>
+        <p:txBody>
+          <a:bodyPr/>
+          <a:lstStyle/>
+          <a:p>
+            <a:r>
+              <a:rPr lang="en-US" b="1" dirty="0">
+                <a:effectLst>
+                  <a:outerShdw blurRad="38100" dist="38100" dir="2700000" algn="tl">
+                    <a:srgbClr val="000000">
+                      <a:alpha val="43137"/>
+                    </a:srgbClr>
+                  </a:outerShdw>
+                </a:effectLst>
+              </a:rPr>
+              <a:t>align-self</a:t>
+            </a:r>
+          </a:p>
+        </p:txBody>
+      </p:sp>
+      <p:pic>
+        <p:nvPicPr>
+          <p:cNvPr id="6" name="Объект 5">
+            <a:extLst>
+              <a:ext uri="{FF2B5EF4-FFF2-40B4-BE49-F238E27FC236}">
+                <a16:creationId xmlns:a16="http://schemas.microsoft.com/office/drawing/2014/main" id="{42263FCC-A6E8-42D1-9394-77C45C102440}"/>
+              </a:ext>
+            </a:extLst>
+          </p:cNvPr>
+          <p:cNvPicPr>
+            <a:picLocks noGrp="1" noChangeAspect="1"/>
+          </p:cNvPicPr>
+          <p:nvPr>
+            <p:ph idx="1"/>
+          </p:nvPr>
+        </p:nvPicPr>
+        <p:blipFill>
+          <a:blip r:embed="rId4">
+            <a:extLst>
+              <a:ext uri="{28A0092B-C50C-407E-A947-70E740481C1C}">
+                <a14:useLocalDpi xmlns:a14="http://schemas.microsoft.com/office/drawing/2010/main" val="0"/>
+              </a:ext>
+            </a:extLst>
+          </a:blip>
+          <a:stretch>
+            <a:fillRect/>
+          </a:stretch>
+        </p:blipFill>
+        <p:spPr>
+          <a:xfrm>
+            <a:off x="5575226" y="2652890"/>
+            <a:ext cx="5747265" cy="2813226"/>
+          </a:xfrm>
+        </p:spPr>
+      </p:pic>
+      <p:sp>
+        <p:nvSpPr>
+          <p:cNvPr id="5" name="Объект 3">
+            <a:extLst>
+              <a:ext uri="{FF2B5EF4-FFF2-40B4-BE49-F238E27FC236}">
+                <a16:creationId xmlns:a16="http://schemas.microsoft.com/office/drawing/2014/main" id="{FB9CCA33-6569-4291-AC26-777CC4C6C745}"/>
+              </a:ext>
+            </a:extLst>
+          </p:cNvPr>
+          <p:cNvSpPr txBox="1">
+            <a:spLocks/>
+          </p:cNvSpPr>
+          <p:nvPr/>
+        </p:nvSpPr>
+        <p:spPr>
+          <a:xfrm>
+            <a:off x="414617" y="1825625"/>
+            <a:ext cx="4541205" cy="4667250"/>
+          </a:xfrm>
+          <a:prstGeom prst="rect">
+            <a:avLst/>
+          </a:prstGeom>
+        </p:spPr>
+        <p:txBody>
+          <a:bodyPr vert="horz" lIns="91440" tIns="45720" rIns="91440" bIns="45720" rtlCol="0">
+            <a:normAutofit/>
+          </a:bodyPr>
+          <a:lstStyle>
+            <a:lvl1pPr marL="228600" indent="-228600" algn="l" defTabSz="914400" rtl="0" eaLnBrk="1" latinLnBrk="0" hangingPunct="1">
+              <a:lnSpc>
+                <a:spcPct val="90000"/>
+              </a:lnSpc>
+              <a:spcBef>
+                <a:spcPts val="1000"/>
+              </a:spcBef>
+              <a:buFont typeface="Arial" panose="020B0604020202020204" pitchFamily="34" charset="0"/>
+              <a:buChar char="•"/>
+              <a:defRPr sz="2800" kern="1200">
+                <a:solidFill>
+                  <a:schemeClr val="tx1"/>
+                </a:solidFill>
+                <a:latin typeface="+mn-lt"/>
+                <a:ea typeface="+mn-ea"/>
+                <a:cs typeface="+mn-cs"/>
+              </a:defRPr>
+            </a:lvl1pPr>
+            <a:lvl2pPr marL="685800" indent="-228600" algn="l" defTabSz="914400" rtl="0" eaLnBrk="1" latinLnBrk="0" hangingPunct="1">
+              <a:lnSpc>
+                <a:spcPct val="90000"/>
+              </a:lnSpc>
+              <a:spcBef>
+                <a:spcPts val="500"/>
+              </a:spcBef>
+              <a:buFont typeface="Arial" panose="020B0604020202020204" pitchFamily="34" charset="0"/>
+              <a:buChar char="•"/>
+              <a:defRPr sz="2400" kern="1200">
+                <a:solidFill>
+                  <a:schemeClr val="tx1"/>
+                </a:solidFill>
+                <a:latin typeface="+mn-lt"/>
+                <a:ea typeface="+mn-ea"/>
+                <a:cs typeface="+mn-cs"/>
+              </a:defRPr>
+            </a:lvl2pPr>
+            <a:lvl3pPr marL="1143000" indent="-228600" algn="l" defTabSz="914400" rtl="0" eaLnBrk="1" latinLnBrk="0" hangingPunct="1">
+              <a:lnSpc>
+                <a:spcPct val="90000"/>
+              </a:lnSpc>
+              <a:spcBef>
+                <a:spcPts val="500"/>
+              </a:spcBef>
+              <a:buFont typeface="Arial" panose="020B0604020202020204" pitchFamily="34" charset="0"/>
+              <a:buChar char="•"/>
+              <a:defRPr sz="2000" kern="1200">
+                <a:solidFill>
+                  <a:schemeClr val="tx1"/>
+                </a:solidFill>
+                <a:latin typeface="+mn-lt"/>
+                <a:ea typeface="+mn-ea"/>
+                <a:cs typeface="+mn-cs"/>
+              </a:defRPr>
+            </a:lvl3pPr>
+            <a:lvl4pPr marL="1600200" indent="-228600" algn="l" defTabSz="914400" rtl="0" eaLnBrk="1" latinLnBrk="0" hangingPunct="1">
+              <a:lnSpc>
+                <a:spcPct val="90000"/>
+              </a:lnSpc>
+              <a:spcBef>
+                <a:spcPts val="500"/>
+              </a:spcBef>
+              <a:buFont typeface="Arial" panose="020B0604020202020204" pitchFamily="34" charset="0"/>
+              <a:buChar char="•"/>
+              <a:defRPr sz="1800" kern="1200">
+                <a:solidFill>
+                  <a:schemeClr val="tx1"/>
+                </a:solidFill>
+                <a:latin typeface="+mn-lt"/>
+                <a:ea typeface="+mn-ea"/>
+                <a:cs typeface="+mn-cs"/>
+              </a:defRPr>
+            </a:lvl4pPr>
+            <a:lvl5pPr marL="2057400" indent="-228600" algn="l" defTabSz="914400" rtl="0" eaLnBrk="1" latinLnBrk="0" hangingPunct="1">
+              <a:lnSpc>
+                <a:spcPct val="90000"/>
+              </a:lnSpc>
+              <a:spcBef>
+                <a:spcPts val="500"/>
+              </a:spcBef>
+              <a:buFont typeface="Arial" panose="020B0604020202020204" pitchFamily="34" charset="0"/>
+              <a:buChar char="•"/>
+              <a:defRPr sz="1800" kern="1200">
+                <a:solidFill>
+                  <a:schemeClr val="tx1"/>
+                </a:solidFill>
+                <a:latin typeface="+mn-lt"/>
+                <a:ea typeface="+mn-ea"/>
+                <a:cs typeface="+mn-cs"/>
+              </a:defRPr>
+            </a:lvl5pPr>
+            <a:lvl6pPr marL="2514600" indent="-228600" algn="l" defTabSz="914400" rtl="0" eaLnBrk="1" latinLnBrk="0" hangingPunct="1">
+              <a:lnSpc>
+                <a:spcPct val="90000"/>
+              </a:lnSpc>
+              <a:spcBef>
+                <a:spcPts val="500"/>
+              </a:spcBef>
+              <a:buFont typeface="Arial" panose="020B0604020202020204" pitchFamily="34" charset="0"/>
+              <a:buChar char="•"/>
+              <a:defRPr sz="1800" kern="1200">
+                <a:solidFill>
+                  <a:schemeClr val="tx1"/>
+                </a:solidFill>
+                <a:latin typeface="+mn-lt"/>
+                <a:ea typeface="+mn-ea"/>
+                <a:cs typeface="+mn-cs"/>
+              </a:defRPr>
+            </a:lvl6pPr>
+            <a:lvl7pPr marL="2971800" indent="-228600" algn="l" defTabSz="914400" rtl="0" eaLnBrk="1" latinLnBrk="0" hangingPunct="1">
+              <a:lnSpc>
+                <a:spcPct val="90000"/>
+              </a:lnSpc>
+              <a:spcBef>
+                <a:spcPts val="500"/>
+              </a:spcBef>
+              <a:buFont typeface="Arial" panose="020B0604020202020204" pitchFamily="34" charset="0"/>
+              <a:buChar char="•"/>
+              <a:defRPr sz="1800" kern="1200">
+                <a:solidFill>
+                  <a:schemeClr val="tx1"/>
+                </a:solidFill>
+                <a:latin typeface="+mn-lt"/>
+                <a:ea typeface="+mn-ea"/>
+                <a:cs typeface="+mn-cs"/>
+              </a:defRPr>
+            </a:lvl7pPr>
+            <a:lvl8pPr marL="3429000" indent="-228600" algn="l" defTabSz="914400" rtl="0" eaLnBrk="1" latinLnBrk="0" hangingPunct="1">
+              <a:lnSpc>
+                <a:spcPct val="90000"/>
+              </a:lnSpc>
+              <a:spcBef>
+                <a:spcPts val="500"/>
+              </a:spcBef>
+              <a:buFont typeface="Arial" panose="020B0604020202020204" pitchFamily="34" charset="0"/>
+              <a:buChar char="•"/>
+              <a:defRPr sz="1800" kern="1200">
+                <a:solidFill>
+                  <a:schemeClr val="tx1"/>
+                </a:solidFill>
+                <a:latin typeface="+mn-lt"/>
+                <a:ea typeface="+mn-ea"/>
+                <a:cs typeface="+mn-cs"/>
+              </a:defRPr>
+            </a:lvl8pPr>
+            <a:lvl9pPr marL="3886200" indent="-228600" algn="l" defTabSz="914400" rtl="0" eaLnBrk="1" latinLnBrk="0" hangingPunct="1">
+              <a:lnSpc>
+                <a:spcPct val="90000"/>
+              </a:lnSpc>
+              <a:spcBef>
+                <a:spcPts val="500"/>
+              </a:spcBef>
+              <a:buFont typeface="Arial" panose="020B0604020202020204" pitchFamily="34" charset="0"/>
+              <a:buChar char="•"/>
+              <a:defRPr sz="1800" kern="1200">
+                <a:solidFill>
+                  <a:schemeClr val="tx1"/>
+                </a:solidFill>
+                <a:latin typeface="+mn-lt"/>
+                <a:ea typeface="+mn-ea"/>
+                <a:cs typeface="+mn-cs"/>
+              </a:defRPr>
+            </a:lvl9pPr>
+          </a:lstStyle>
+          <a:p>
+            <a:r>
+              <a:rPr lang="en-US" sz="1800" b="1" dirty="0"/>
+              <a:t>align-self</a:t>
+            </a:r>
+            <a:r>
+              <a:rPr lang="en-US" sz="1800" dirty="0"/>
+              <a:t> - </a:t>
+            </a:r>
+            <a:r>
+              <a:rPr lang="hy-AM" sz="1800" dirty="0"/>
+              <a:t>Սահմանում է, թե ինչպես պետք է կոնկրետ տարրը իրեն դրսևորի անկախ </a:t>
+            </a:r>
+            <a:r>
+              <a:rPr lang="en-US" sz="1800" dirty="0"/>
+              <a:t>flex-container-</a:t>
+            </a:r>
+            <a:r>
+              <a:rPr lang="hy-AM" sz="1800" dirty="0"/>
+              <a:t>ի կողմից սահմանված վարքագծի</a:t>
+            </a:r>
+            <a:endParaRPr lang="en-US" sz="1800" dirty="0"/>
+          </a:p>
+          <a:p>
+            <a:r>
+              <a:rPr lang="en-US" sz="1800" b="1" dirty="0"/>
+              <a:t>flex-start:</a:t>
+            </a:r>
+            <a:r>
+              <a:rPr lang="en-US" sz="1800" dirty="0"/>
+              <a:t> </a:t>
+            </a:r>
+            <a:r>
+              <a:rPr lang="hy-AM" sz="1800" dirty="0"/>
+              <a:t>Տարրերը դասավորվում են վերևում:</a:t>
+            </a:r>
+          </a:p>
+          <a:p>
+            <a:r>
+              <a:rPr lang="en-US" sz="1800" b="1" dirty="0"/>
+              <a:t>flex-end:</a:t>
+            </a:r>
+            <a:r>
+              <a:rPr lang="en-US" sz="1800" dirty="0"/>
+              <a:t> </a:t>
+            </a:r>
+            <a:r>
+              <a:rPr lang="hy-AM" sz="1800" dirty="0"/>
+              <a:t>Տարրերը դասավորվում են ներքևում:</a:t>
+            </a:r>
+          </a:p>
+          <a:p>
+            <a:r>
+              <a:rPr lang="en-US" sz="1800" b="1" dirty="0"/>
+              <a:t>center:</a:t>
+            </a:r>
+            <a:r>
+              <a:rPr lang="en-US" sz="1800" dirty="0"/>
+              <a:t> </a:t>
+            </a:r>
+            <a:r>
+              <a:rPr lang="hy-AM" sz="1800" dirty="0"/>
+              <a:t>Տարրերը դասավորվում են կենտրոնում:</a:t>
+            </a:r>
+          </a:p>
+          <a:p>
+            <a:r>
+              <a:rPr lang="en-US" sz="1800" b="1" dirty="0"/>
+              <a:t>stretch:</a:t>
+            </a:r>
+            <a:r>
+              <a:rPr lang="en-US" sz="1800" dirty="0"/>
+              <a:t> </a:t>
+            </a:r>
+            <a:r>
+              <a:rPr lang="hy-AM" sz="1800" dirty="0"/>
+              <a:t>Տարրերը զբաղեցնում են ողջ հասանելի բարձրությունը:</a:t>
+            </a:r>
+          </a:p>
+          <a:p>
+            <a:r>
+              <a:rPr lang="en-US" sz="1800" b="1" dirty="0"/>
+              <a:t>baseline:</a:t>
+            </a:r>
+            <a:r>
+              <a:rPr lang="en-US" sz="1800" dirty="0"/>
+              <a:t> </a:t>
+            </a:r>
+            <a:r>
+              <a:rPr lang="hy-AM" sz="1800" dirty="0"/>
+              <a:t>Տարրերը դասավորվում են ըստ բազային դիրքի:</a:t>
+            </a:r>
+          </a:p>
+        </p:txBody>
+      </p:sp>
+    </p:spTree>
+    <p:extLst>
+      <p:ext uri="{BB962C8B-B14F-4D97-AF65-F5344CB8AC3E}">
+        <p14:creationId xmlns:p14="http://schemas.microsoft.com/office/powerpoint/2010/main" val="2762107753"/>
+      </p:ext>
+    </p:extLst>
+  </p:cSld>
+  <p:clrMapOvr>
+    <a:masterClrMapping/>
+  </p:clrMapOvr>
+</p:sld>
+</file>
+
+<file path=ppt/slides/slide9.xml><?xml version="1.0" encoding="utf-8"?>
+<p:sld xmlns:a="http://schemas.openxmlformats.org/drawingml/2006/main" xmlns:r="http://schemas.openxmlformats.org/officeDocument/2006/relationships" xmlns:p="http://schemas.openxmlformats.org/presentationml/2006/main">
+  <p:cSld>
+    <p:bg>
+      <p:bgPr>
+        <a:blipFill dpi="0" rotWithShape="1">
+          <a:blip r:embed="rId3">
+            <a:lum/>
+          </a:blip>
+          <a:srcRect/>
+          <a:stretch>
+            <a:fillRect l="-23000" r="-23000"/>
+          </a:stretch>
+        </a:blipFill>
+        <a:effectLst/>
+      </p:bgPr>
+    </p:bg>
+    <p:spTree>
+      <p:nvGrpSpPr>
+        <p:cNvPr id="1" name=""/>
+        <p:cNvGrpSpPr/>
+        <p:nvPr/>
+      </p:nvGrpSpPr>
+      <p:grpSpPr>
+        <a:xfrm>
+          <a:off x="0" y="0"/>
+          <a:ext cx="0" cy="0"/>
+          <a:chOff x="0" y="0"/>
+          <a:chExt cx="0" cy="0"/>
+        </a:xfrm>
+      </p:grpSpPr>
+      <p:sp>
+        <p:nvSpPr>
+          <p:cNvPr id="2" name="Заголовок 1">
+            <a:extLst>
+              <a:ext uri="{FF2B5EF4-FFF2-40B4-BE49-F238E27FC236}">
+                <a16:creationId xmlns:a16="http://schemas.microsoft.com/office/drawing/2014/main" id="{FE230D01-4115-4A9E-B936-1D4FD42498CE}"/>
+              </a:ext>
+            </a:extLst>
+          </p:cNvPr>
+          <p:cNvSpPr>
+            <a:spLocks noGrp="1"/>
+          </p:cNvSpPr>
+          <p:nvPr>
+            <p:ph type="title"/>
+          </p:nvPr>
+        </p:nvSpPr>
+        <p:spPr>
+          <a:xfrm>
+            <a:off x="414617" y="365125"/>
+            <a:ext cx="11303250" cy="1325563"/>
+          </a:xfrm>
+        </p:spPr>
+        <p:txBody>
+          <a:bodyPr/>
+          <a:lstStyle/>
+          <a:p>
+            <a:r>
+              <a:rPr lang="en-US" b="1" dirty="0">
+                <a:effectLst>
+                  <a:outerShdw blurRad="38100" dist="38100" dir="2700000" algn="tl">
+                    <a:srgbClr val="000000">
+                      <a:alpha val="43137"/>
+                    </a:srgbClr>
+                  </a:outerShdw>
+                </a:effectLst>
+              </a:rPr>
+              <a:t>align-content</a:t>
+            </a:r>
+          </a:p>
+        </p:txBody>
+      </p:sp>
+      <p:pic>
+        <p:nvPicPr>
+          <p:cNvPr id="6" name="Объект 5">
+            <a:extLst>
+              <a:ext uri="{FF2B5EF4-FFF2-40B4-BE49-F238E27FC236}">
+                <a16:creationId xmlns:a16="http://schemas.microsoft.com/office/drawing/2014/main" id="{0406E0D7-3CFD-43ED-96F5-DB90FAFA9392}"/>
+              </a:ext>
+            </a:extLst>
+          </p:cNvPr>
+          <p:cNvPicPr>
+            <a:picLocks noGrp="1" noChangeAspect="1"/>
+          </p:cNvPicPr>
+          <p:nvPr>
+            <p:ph idx="1"/>
+          </p:nvPr>
+        </p:nvPicPr>
+        <p:blipFill>
+          <a:blip r:embed="rId4">
+            <a:extLst>
+              <a:ext uri="{28A0092B-C50C-407E-A947-70E740481C1C}">
+                <a14:useLocalDpi xmlns:a14="http://schemas.microsoft.com/office/drawing/2010/main" val="0"/>
+              </a:ext>
+            </a:extLst>
+          </a:blip>
+          <a:stretch>
+            <a:fillRect/>
+          </a:stretch>
+        </p:blipFill>
+        <p:spPr>
+          <a:xfrm>
+            <a:off x="5923962" y="1825625"/>
+            <a:ext cx="4825589" cy="4667250"/>
+          </a:xfrm>
+        </p:spPr>
+      </p:pic>
+      <p:sp>
+        <p:nvSpPr>
+          <p:cNvPr id="5" name="Объект 3">
+            <a:extLst>
+              <a:ext uri="{FF2B5EF4-FFF2-40B4-BE49-F238E27FC236}">
+                <a16:creationId xmlns:a16="http://schemas.microsoft.com/office/drawing/2014/main" id="{F4CF2191-33CD-4174-8336-BBD5CBFB4512}"/>
+              </a:ext>
+            </a:extLst>
+          </p:cNvPr>
+          <p:cNvSpPr txBox="1">
+            <a:spLocks/>
+          </p:cNvSpPr>
+          <p:nvPr/>
+        </p:nvSpPr>
+        <p:spPr>
+          <a:xfrm>
+            <a:off x="414617" y="1825625"/>
+            <a:ext cx="4541205" cy="4667250"/>
+          </a:xfrm>
+          <a:prstGeom prst="rect">
+            <a:avLst/>
+          </a:prstGeom>
+        </p:spPr>
+        <p:txBody>
+          <a:bodyPr vert="horz" lIns="91440" tIns="45720" rIns="91440" bIns="45720" rtlCol="0">
+            <a:normAutofit fontScale="92500" lnSpcReduction="20000"/>
+          </a:bodyPr>
+          <a:lstStyle>
+            <a:lvl1pPr marL="228600" indent="-228600" algn="l" defTabSz="914400" rtl="0" eaLnBrk="1" latinLnBrk="0" hangingPunct="1">
+              <a:lnSpc>
+                <a:spcPct val="90000"/>
+              </a:lnSpc>
+              <a:spcBef>
+                <a:spcPts val="1000"/>
+              </a:spcBef>
+              <a:buFont typeface="Arial" panose="020B0604020202020204" pitchFamily="34" charset="0"/>
+              <a:buChar char="•"/>
+              <a:defRPr sz="2800" kern="1200">
+                <a:solidFill>
+                  <a:schemeClr val="tx1"/>
+                </a:solidFill>
+                <a:latin typeface="+mn-lt"/>
+                <a:ea typeface="+mn-ea"/>
+                <a:cs typeface="+mn-cs"/>
+              </a:defRPr>
+            </a:lvl1pPr>
+            <a:lvl2pPr marL="685800" indent="-228600" algn="l" defTabSz="914400" rtl="0" eaLnBrk="1" latinLnBrk="0" hangingPunct="1">
+              <a:lnSpc>
+                <a:spcPct val="90000"/>
+              </a:lnSpc>
+              <a:spcBef>
+                <a:spcPts val="500"/>
+              </a:spcBef>
+              <a:buFont typeface="Arial" panose="020B0604020202020204" pitchFamily="34" charset="0"/>
+              <a:buChar char="•"/>
+              <a:defRPr sz="2400" kern="1200">
+                <a:solidFill>
+                  <a:schemeClr val="tx1"/>
+                </a:solidFill>
+                <a:latin typeface="+mn-lt"/>
+                <a:ea typeface="+mn-ea"/>
+                <a:cs typeface="+mn-cs"/>
+              </a:defRPr>
+            </a:lvl2pPr>
+            <a:lvl3pPr marL="1143000" indent="-228600" algn="l" defTabSz="914400" rtl="0" eaLnBrk="1" latinLnBrk="0" hangingPunct="1">
+              <a:lnSpc>
+                <a:spcPct val="90000"/>
+              </a:lnSpc>
+              <a:spcBef>
+                <a:spcPts val="500"/>
+              </a:spcBef>
+              <a:buFont typeface="Arial" panose="020B0604020202020204" pitchFamily="34" charset="0"/>
+              <a:buChar char="•"/>
+              <a:defRPr sz="2000" kern="1200">
+                <a:solidFill>
+                  <a:schemeClr val="tx1"/>
+                </a:solidFill>
+                <a:latin typeface="+mn-lt"/>
+                <a:ea typeface="+mn-ea"/>
+                <a:cs typeface="+mn-cs"/>
+              </a:defRPr>
+            </a:lvl3pPr>
+            <a:lvl4pPr marL="1600200" indent="-228600" algn="l" defTabSz="914400" rtl="0" eaLnBrk="1" latinLnBrk="0" hangingPunct="1">
+              <a:lnSpc>
+                <a:spcPct val="90000"/>
+              </a:lnSpc>
+              <a:spcBef>
+                <a:spcPts val="500"/>
+              </a:spcBef>
+              <a:buFont typeface="Arial" panose="020B0604020202020204" pitchFamily="34" charset="0"/>
+              <a:buChar char="•"/>
+              <a:defRPr sz="1800" kern="1200">
+                <a:solidFill>
+                  <a:schemeClr val="tx1"/>
+                </a:solidFill>
+                <a:latin typeface="+mn-lt"/>
+                <a:ea typeface="+mn-ea"/>
+                <a:cs typeface="+mn-cs"/>
+              </a:defRPr>
+            </a:lvl4pPr>
+            <a:lvl5pPr marL="2057400" indent="-228600" algn="l" defTabSz="914400" rtl="0" eaLnBrk="1" latinLnBrk="0" hangingPunct="1">
+              <a:lnSpc>
+                <a:spcPct val="90000"/>
+              </a:lnSpc>
+              <a:spcBef>
+                <a:spcPts val="500"/>
+              </a:spcBef>
+              <a:buFont typeface="Arial" panose="020B0604020202020204" pitchFamily="34" charset="0"/>
+              <a:buChar char="•"/>
+              <a:defRPr sz="1800" kern="1200">
+                <a:solidFill>
+                  <a:schemeClr val="tx1"/>
+                </a:solidFill>
+                <a:latin typeface="+mn-lt"/>
+                <a:ea typeface="+mn-ea"/>
+                <a:cs typeface="+mn-cs"/>
+              </a:defRPr>
+            </a:lvl5pPr>
+            <a:lvl6pPr marL="2514600" indent="-228600" algn="l" defTabSz="914400" rtl="0" eaLnBrk="1" latinLnBrk="0" hangingPunct="1">
+              <a:lnSpc>
+                <a:spcPct val="90000"/>
+              </a:lnSpc>
+              <a:spcBef>
+                <a:spcPts val="500"/>
+              </a:spcBef>
+              <a:buFont typeface="Arial" panose="020B0604020202020204" pitchFamily="34" charset="0"/>
+              <a:buChar char="•"/>
+              <a:defRPr sz="1800" kern="1200">
+                <a:solidFill>
+                  <a:schemeClr val="tx1"/>
+                </a:solidFill>
+                <a:latin typeface="+mn-lt"/>
+                <a:ea typeface="+mn-ea"/>
+                <a:cs typeface="+mn-cs"/>
+              </a:defRPr>
+            </a:lvl6pPr>
+            <a:lvl7pPr marL="2971800" indent="-228600" algn="l" defTabSz="914400" rtl="0" eaLnBrk="1" latinLnBrk="0" hangingPunct="1">
+              <a:lnSpc>
+                <a:spcPct val="90000"/>
+              </a:lnSpc>
+              <a:spcBef>
+                <a:spcPts val="500"/>
+              </a:spcBef>
+              <a:buFont typeface="Arial" panose="020B0604020202020204" pitchFamily="34" charset="0"/>
+              <a:buChar char="•"/>
+              <a:defRPr sz="1800" kern="1200">
+                <a:solidFill>
+                  <a:schemeClr val="tx1"/>
+                </a:solidFill>
+                <a:latin typeface="+mn-lt"/>
+                <a:ea typeface="+mn-ea"/>
+                <a:cs typeface="+mn-cs"/>
+              </a:defRPr>
+            </a:lvl7pPr>
+            <a:lvl8pPr marL="3429000" indent="-228600" algn="l" defTabSz="914400" rtl="0" eaLnBrk="1" latinLnBrk="0" hangingPunct="1">
+              <a:lnSpc>
+                <a:spcPct val="90000"/>
+              </a:lnSpc>
+              <a:spcBef>
+                <a:spcPts val="500"/>
+              </a:spcBef>
+              <a:buFont typeface="Arial" panose="020B0604020202020204" pitchFamily="34" charset="0"/>
+              <a:buChar char="•"/>
+              <a:defRPr sz="1800" kern="1200">
+                <a:solidFill>
+                  <a:schemeClr val="tx1"/>
+                </a:solidFill>
+                <a:latin typeface="+mn-lt"/>
+                <a:ea typeface="+mn-ea"/>
+                <a:cs typeface="+mn-cs"/>
+              </a:defRPr>
+            </a:lvl8pPr>
+            <a:lvl9pPr marL="3886200" indent="-228600" algn="l" defTabSz="914400" rtl="0" eaLnBrk="1" latinLnBrk="0" hangingPunct="1">
+              <a:lnSpc>
+                <a:spcPct val="90000"/>
+              </a:lnSpc>
+              <a:spcBef>
+                <a:spcPts val="500"/>
+              </a:spcBef>
+              <a:buFont typeface="Arial" panose="020B0604020202020204" pitchFamily="34" charset="0"/>
+              <a:buChar char="•"/>
+              <a:defRPr sz="1800" kern="1200">
+                <a:solidFill>
+                  <a:schemeClr val="tx1"/>
+                </a:solidFill>
+                <a:latin typeface="+mn-lt"/>
+                <a:ea typeface="+mn-ea"/>
+                <a:cs typeface="+mn-cs"/>
+              </a:defRPr>
+            </a:lvl9pPr>
+          </a:lstStyle>
+          <a:p>
+            <a:r>
+              <a:rPr lang="en-US" sz="1800" b="1" dirty="0"/>
+              <a:t>align-content</a:t>
+            </a:r>
+            <a:r>
+              <a:rPr lang="en-US" sz="1800" dirty="0"/>
+              <a:t> - </a:t>
+            </a:r>
+            <a:r>
+              <a:rPr lang="hy-AM" sz="1800" dirty="0"/>
+              <a:t>Սահմանում է, տարրերի միջև ազատ տարածության բաշխումը, եթե այդ տողերը զբաղեցնում են քիչ բարձրություն քան</a:t>
+            </a:r>
+            <a:r>
+              <a:rPr lang="en-US" sz="1800" dirty="0"/>
+              <a:t>:</a:t>
+            </a:r>
+          </a:p>
+          <a:p>
+            <a:r>
+              <a:rPr lang="en-US" sz="1800" b="1" dirty="0"/>
+              <a:t>flex-start:</a:t>
+            </a:r>
+            <a:r>
+              <a:rPr lang="en-US" sz="1800" dirty="0"/>
+              <a:t> </a:t>
+            </a:r>
+            <a:r>
+              <a:rPr lang="hy-AM" sz="1800" dirty="0"/>
+              <a:t>Տարրերը դասավորվում են վերևում:</a:t>
+            </a:r>
+          </a:p>
+          <a:p>
+            <a:r>
+              <a:rPr lang="en-US" sz="1800" b="1" dirty="0"/>
+              <a:t>flex-end:</a:t>
+            </a:r>
+            <a:r>
+              <a:rPr lang="en-US" sz="1800" dirty="0"/>
+              <a:t> </a:t>
+            </a:r>
+            <a:r>
+              <a:rPr lang="hy-AM" sz="1800" dirty="0"/>
+              <a:t>Տարրերը դասավորվում են ներքևում:</a:t>
+            </a:r>
+          </a:p>
+          <a:p>
+            <a:r>
+              <a:rPr lang="en-US" sz="1800" b="1" dirty="0"/>
+              <a:t>center:</a:t>
+            </a:r>
+            <a:r>
+              <a:rPr lang="en-US" sz="1800" dirty="0"/>
+              <a:t> </a:t>
+            </a:r>
+            <a:r>
+              <a:rPr lang="hy-AM" sz="1800" dirty="0"/>
+              <a:t>Տարրերը դասավորվում են կենտրոնում:</a:t>
+            </a:r>
+          </a:p>
+          <a:p>
+            <a:r>
+              <a:rPr lang="en-US" sz="1800" b="1" dirty="0"/>
+              <a:t>stretch:</a:t>
+            </a:r>
+            <a:r>
+              <a:rPr lang="en-US" sz="1800" dirty="0"/>
+              <a:t> </a:t>
+            </a:r>
+            <a:r>
+              <a:rPr lang="hy-AM" sz="1800" dirty="0"/>
+              <a:t>Տարրերը զբաղեցնում են ողջ հասանելի բարձրությունը:</a:t>
+            </a:r>
+          </a:p>
+          <a:p>
+            <a:r>
+              <a:rPr lang="en-US" sz="1800" b="1" dirty="0"/>
+              <a:t>space-between:</a:t>
+            </a:r>
+            <a:r>
+              <a:rPr lang="en-US" sz="1800" dirty="0"/>
+              <a:t> </a:t>
+            </a:r>
+            <a:r>
+              <a:rPr lang="hy-AM" sz="1800" dirty="0"/>
+              <a:t>Տարրերի միջև հավասար տարածություն է սահմանվում, իսկ առաջին և վերջին տարրերը տեղակայվում են եզրերի մոտ:</a:t>
+            </a:r>
+          </a:p>
+          <a:p>
+            <a:r>
+              <a:rPr lang="en-US" sz="1800" b="1" dirty="0"/>
+              <a:t>space-around:</a:t>
+            </a:r>
+            <a:r>
+              <a:rPr lang="en-US" sz="1800" dirty="0"/>
+              <a:t> </a:t>
+            </a:r>
+            <a:r>
+              <a:rPr lang="hy-AM" sz="1800" dirty="0"/>
+              <a:t>Տարրերի միջև հավասար տարածություն է սահմանվում, իսկ եզրերի միջև՝ սահմանվում տարածության կեսը:</a:t>
+            </a:r>
+          </a:p>
+        </p:txBody>
+      </p:sp>
+    </p:spTree>
+    <p:extLst>
+      <p:ext uri="{BB962C8B-B14F-4D97-AF65-F5344CB8AC3E}">
+        <p14:creationId xmlns:p14="http://schemas.microsoft.com/office/powerpoint/2010/main" val="3358503071"/>
       </p:ext>
     </p:extLst>
   </p:cSld>

--- a/HTML/08-CSS Flexbox.pptx
+++ b/HTML/08-CSS Flexbox.pptx
@@ -5,7 +5,7 @@
     <p:sldMasterId id="2147483648" r:id="rId1"/>
   </p:sldMasterIdLst>
   <p:notesMasterIdLst>
-    <p:notesMasterId r:id="rId15"/>
+    <p:notesMasterId r:id="rId16"/>
   </p:notesMasterIdLst>
   <p:sldIdLst>
     <p:sldId id="256" r:id="rId2"/>
@@ -21,6 +21,7 @@
     <p:sldId id="266" r:id="rId12"/>
     <p:sldId id="268" r:id="rId13"/>
     <p:sldId id="269" r:id="rId14"/>
+    <p:sldId id="270" r:id="rId15"/>
   </p:sldIdLst>
   <p:sldSz cx="12192000" cy="6858000"/>
   <p:notesSz cx="6858000" cy="9144000"/>
@@ -6193,6 +6194,154 @@
     <p:extLst>
       <p:ext uri="{BB962C8B-B14F-4D97-AF65-F5344CB8AC3E}">
         <p14:creationId xmlns:p14="http://schemas.microsoft.com/office/powerpoint/2010/main" val="3204330124"/>
+      </p:ext>
+    </p:extLst>
+  </p:cSld>
+  <p:clrMapOvr>
+    <a:masterClrMapping/>
+  </p:clrMapOvr>
+</p:sld>
+</file>
+
+<file path=ppt/slides/slide14.xml><?xml version="1.0" encoding="utf-8"?>
+<p:sld xmlns:a="http://schemas.openxmlformats.org/drawingml/2006/main" xmlns:r="http://schemas.openxmlformats.org/officeDocument/2006/relationships" xmlns:p="http://schemas.openxmlformats.org/presentationml/2006/main">
+  <p:cSld>
+    <p:bg>
+      <p:bgPr>
+        <a:blipFill dpi="0" rotWithShape="1">
+          <a:blip r:embed="rId2">
+            <a:lum/>
+          </a:blip>
+          <a:srcRect/>
+          <a:stretch>
+            <a:fillRect l="-1000" r="-1000"/>
+          </a:stretch>
+        </a:blipFill>
+        <a:effectLst/>
+      </p:bgPr>
+    </p:bg>
+    <p:spTree>
+      <p:nvGrpSpPr>
+        <p:cNvPr id="1" name=""/>
+        <p:cNvGrpSpPr/>
+        <p:nvPr/>
+      </p:nvGrpSpPr>
+      <p:grpSpPr>
+        <a:xfrm>
+          <a:off x="0" y="0"/>
+          <a:ext cx="0" cy="0"/>
+          <a:chOff x="0" y="0"/>
+          <a:chExt cx="0" cy="0"/>
+        </a:xfrm>
+      </p:grpSpPr>
+      <p:sp>
+        <p:nvSpPr>
+          <p:cNvPr id="2" name="Заголовок 1">
+            <a:extLst>
+              <a:ext uri="{FF2B5EF4-FFF2-40B4-BE49-F238E27FC236}">
+                <a16:creationId xmlns:a16="http://schemas.microsoft.com/office/drawing/2014/main" id="{19529519-37AB-4326-B28E-D2A966762900}"/>
+              </a:ext>
+            </a:extLst>
+          </p:cNvPr>
+          <p:cNvSpPr>
+            <a:spLocks noGrp="1"/>
+          </p:cNvSpPr>
+          <p:nvPr>
+            <p:ph type="ctrTitle"/>
+          </p:nvPr>
+        </p:nvSpPr>
+        <p:spPr>
+          <a:xfrm>
+            <a:off x="1524000" y="1331494"/>
+            <a:ext cx="9144000" cy="1488658"/>
+          </a:xfrm>
+        </p:spPr>
+        <p:txBody>
+          <a:bodyPr>
+            <a:normAutofit/>
+          </a:bodyPr>
+          <a:lstStyle/>
+          <a:p>
+            <a:r>
+              <a:rPr lang="en-US" sz="9600" b="1" dirty="0">
+                <a:solidFill>
+                  <a:schemeClr val="bg1"/>
+                </a:solidFill>
+                <a:effectLst>
+                  <a:outerShdw blurRad="38100" dist="38100" dir="2700000" algn="tl">
+                    <a:srgbClr val="000000">
+                      <a:alpha val="43137"/>
+                    </a:srgbClr>
+                  </a:outerShdw>
+                </a:effectLst>
+              </a:rPr>
+              <a:t>CSS Flexbox</a:t>
+            </a:r>
+          </a:p>
+        </p:txBody>
+      </p:sp>
+      <p:sp>
+        <p:nvSpPr>
+          <p:cNvPr id="3" name="Подзаголовок 2">
+            <a:extLst>
+              <a:ext uri="{FF2B5EF4-FFF2-40B4-BE49-F238E27FC236}">
+                <a16:creationId xmlns:a16="http://schemas.microsoft.com/office/drawing/2014/main" id="{AF1EA633-D38B-4103-9730-414ED0018D60}"/>
+              </a:ext>
+            </a:extLst>
+          </p:cNvPr>
+          <p:cNvSpPr>
+            <a:spLocks noGrp="1"/>
+          </p:cNvSpPr>
+          <p:nvPr>
+            <p:ph type="subTitle" idx="1"/>
+          </p:nvPr>
+        </p:nvSpPr>
+        <p:spPr>
+          <a:xfrm>
+            <a:off x="1524000" y="5704441"/>
+            <a:ext cx="9144000" cy="694678"/>
+          </a:xfrm>
+        </p:spPr>
+        <p:txBody>
+          <a:bodyPr>
+            <a:normAutofit lnSpcReduction="10000"/>
+          </a:bodyPr>
+          <a:lstStyle/>
+          <a:p>
+            <a:r>
+              <a:rPr lang="hy-AM" sz="4800" dirty="0">
+                <a:solidFill>
+                  <a:schemeClr val="bg1"/>
+                </a:solidFill>
+                <a:effectLst>
+                  <a:outerShdw blurRad="38100" dist="38100" dir="2700000" algn="tl">
+                    <a:srgbClr val="000000">
+                      <a:alpha val="43137"/>
+                    </a:srgbClr>
+                  </a:outerShdw>
+                </a:effectLst>
+              </a:rPr>
+              <a:t>Հարց ու պատասխան</a:t>
+            </a:r>
+            <a:endParaRPr lang="en-US" sz="4800" dirty="0">
+              <a:solidFill>
+                <a:schemeClr val="bg1"/>
+              </a:solidFill>
+              <a:effectLst>
+                <a:outerShdw blurRad="38100" dist="38100" dir="2700000" algn="tl">
+                  <a:srgbClr val="000000">
+                    <a:alpha val="43137"/>
+                  </a:srgbClr>
+                </a:outerShdw>
+              </a:effectLst>
+            </a:endParaRPr>
+          </a:p>
+        </p:txBody>
+      </p:sp>
+    </p:spTree>
+    <p:extLst>
+      <p:ext uri="{BB962C8B-B14F-4D97-AF65-F5344CB8AC3E}">
+        <p14:creationId xmlns:p14="http://schemas.microsoft.com/office/powerpoint/2010/main" val="3717453142"/>
       </p:ext>
     </p:extLst>
   </p:cSld>
